--- a/KinecDrone2.pptx
+++ b/KinecDrone2.pptx
@@ -8,6 +8,11 @@
     <p:sldId id="267" r:id="rId2"/>
     <p:sldId id="266" r:id="rId3"/>
     <p:sldId id="268" r:id="rId4"/>
+    <p:sldId id="269" r:id="rId5"/>
+    <p:sldId id="271" r:id="rId6"/>
+    <p:sldId id="272" r:id="rId7"/>
+    <p:sldId id="273" r:id="rId8"/>
+    <p:sldId id="274" r:id="rId9"/>
   </p:sldIdLst>
   <p:sldSz cx="9144000" cy="6858000" type="screen4x3"/>
   <p:notesSz cx="6858000" cy="9144000"/>
@@ -494,7 +499,7 @@
             <a:fld id="{8839B124-D151-7E40-BD00-8DC927F036D0}" type="datetimeFigureOut">
               <a:rPr lang="ja-JP" altLang="en-US" smtClean="0"/>
               <a:pPr/>
-              <a:t>13.10.7</a:t>
+              <a:t>13.10.9</a:t>
             </a:fld>
             <a:endParaRPr lang="ja-JP" altLang="en-US"/>
           </a:p>
@@ -693,7 +698,7 @@
             <a:fld id="{8839B124-D151-7E40-BD00-8DC927F036D0}" type="datetimeFigureOut">
               <a:rPr lang="ja-JP" altLang="en-US" smtClean="0"/>
               <a:pPr/>
-              <a:t>13.10.7</a:t>
+              <a:t>13.10.9</a:t>
             </a:fld>
             <a:endParaRPr lang="ja-JP" altLang="en-US"/>
           </a:p>
@@ -902,7 +907,7 @@
             <a:fld id="{8839B124-D151-7E40-BD00-8DC927F036D0}" type="datetimeFigureOut">
               <a:rPr lang="ja-JP" altLang="en-US" smtClean="0"/>
               <a:pPr/>
-              <a:t>13.10.7</a:t>
+              <a:t>13.10.9</a:t>
             </a:fld>
             <a:endParaRPr lang="ja-JP" altLang="en-US"/>
           </a:p>
@@ -1105,7 +1110,7 @@
             <a:fld id="{8839B124-D151-7E40-BD00-8DC927F036D0}" type="datetimeFigureOut">
               <a:rPr lang="ja-JP" altLang="en-US" smtClean="0"/>
               <a:pPr/>
-              <a:t>13.10.7</a:t>
+              <a:t>13.10.9</a:t>
             </a:fld>
             <a:endParaRPr lang="ja-JP" altLang="en-US"/>
           </a:p>
@@ -1562,7 +1567,7 @@
             <a:fld id="{8839B124-D151-7E40-BD00-8DC927F036D0}" type="datetimeFigureOut">
               <a:rPr lang="ja-JP" altLang="en-US" smtClean="0"/>
               <a:pPr/>
-              <a:t>13.10.7</a:t>
+              <a:t>13.10.9</a:t>
             </a:fld>
             <a:endParaRPr lang="ja-JP" altLang="en-US"/>
           </a:p>
@@ -1892,7 +1897,7 @@
             <a:fld id="{8839B124-D151-7E40-BD00-8DC927F036D0}" type="datetimeFigureOut">
               <a:rPr lang="ja-JP" altLang="en-US" smtClean="0"/>
               <a:pPr/>
-              <a:t>13.10.7</a:t>
+              <a:t>13.10.9</a:t>
             </a:fld>
             <a:endParaRPr lang="ja-JP" altLang="en-US"/>
           </a:p>
@@ -2332,7 +2337,7 @@
             <a:fld id="{8839B124-D151-7E40-BD00-8DC927F036D0}" type="datetimeFigureOut">
               <a:rPr lang="ja-JP" altLang="en-US" smtClean="0"/>
               <a:pPr/>
-              <a:t>13.10.7</a:t>
+              <a:t>13.10.9</a:t>
             </a:fld>
             <a:endParaRPr lang="ja-JP" altLang="en-US"/>
           </a:p>
@@ -2456,7 +2461,7 @@
             <a:fld id="{8839B124-D151-7E40-BD00-8DC927F036D0}" type="datetimeFigureOut">
               <a:rPr lang="ja-JP" altLang="en-US" smtClean="0"/>
               <a:pPr/>
-              <a:t>13.10.7</a:t>
+              <a:t>13.10.9</a:t>
             </a:fld>
             <a:endParaRPr lang="ja-JP" altLang="en-US"/>
           </a:p>
@@ -2548,7 +2553,7 @@
             <a:fld id="{8839B124-D151-7E40-BD00-8DC927F036D0}" type="datetimeFigureOut">
               <a:rPr lang="ja-JP" altLang="en-US" smtClean="0"/>
               <a:pPr/>
-              <a:t>13.10.7</a:t>
+              <a:t>13.10.9</a:t>
             </a:fld>
             <a:endParaRPr lang="ja-JP" altLang="en-US"/>
           </a:p>
@@ -2831,7 +2836,7 @@
             <a:fld id="{8839B124-D151-7E40-BD00-8DC927F036D0}" type="datetimeFigureOut">
               <a:rPr lang="ja-JP" altLang="en-US" smtClean="0"/>
               <a:pPr/>
-              <a:t>13.10.7</a:t>
+              <a:t>13.10.9</a:t>
             </a:fld>
             <a:endParaRPr lang="ja-JP" altLang="en-US"/>
           </a:p>
@@ -3092,7 +3097,7 @@
             <a:fld id="{8839B124-D151-7E40-BD00-8DC927F036D0}" type="datetimeFigureOut">
               <a:rPr lang="ja-JP" altLang="en-US" smtClean="0"/>
               <a:pPr/>
-              <a:t>13.10.7</a:t>
+              <a:t>13.10.9</a:t>
             </a:fld>
             <a:endParaRPr lang="ja-JP" altLang="en-US"/>
           </a:p>
@@ -3153,9 +3158,12 @@
 <p:sldMaster xmlns:a="http://schemas.openxmlformats.org/drawingml/2006/main" xmlns:r="http://schemas.openxmlformats.org/officeDocument/2006/relationships" xmlns:mc="http://schemas.openxmlformats.org/markup-compatibility/2006" xmlns:mv="urn:schemas-microsoft-com:mac:vml" xmlns:p="http://schemas.openxmlformats.org/presentationml/2006/main" mc:Ignorable="mv" mc:PreserveAttributes="mv:*">
   <p:cSld>
     <p:bg>
-      <p:bgRef idx="1001">
-        <a:schemeClr val="bg2"/>
-      </p:bgRef>
+      <p:bgPr>
+        <a:solidFill>
+          <a:schemeClr val="tx1"/>
+        </a:solidFill>
+        <a:effectLst/>
+      </p:bgPr>
     </p:bg>
     <p:spTree>
       <p:nvGrpSpPr>
@@ -3173,202 +3181,6 @@
       </p:grpSpPr>
       <p:sp>
         <p:nvSpPr>
-          <p:cNvPr id="12" name="フリーフォーム 11"/>
-          <p:cNvSpPr>
-            <a:spLocks/>
-          </p:cNvSpPr>
-          <p:nvPr/>
-        </p:nvSpPr>
-        <p:spPr bwMode="auto">
-          <a:xfrm>
-            <a:off x="0" y="4752126"/>
-            <a:ext cx="9144000" cy="2112962"/>
-          </a:xfrm>
-          <a:custGeom>
-            <a:avLst>
-              <a:gd name="A1" fmla="val 0"/>
-              <a:gd name="A2" fmla="val 0"/>
-              <a:gd name="A3" fmla="val 0"/>
-              <a:gd name="A4" fmla="val 0"/>
-              <a:gd name="A5" fmla="val 0"/>
-              <a:gd name="A6" fmla="val 0"/>
-              <a:gd name="A7" fmla="val 0"/>
-              <a:gd name="A8" fmla="val 0"/>
-            </a:avLst>
-            <a:gdLst/>
-            <a:ahLst/>
-            <a:cxnLst>
-              <a:cxn ang="0">
-                <a:pos x="0" y="1066"/>
-              </a:cxn>
-              <a:cxn ang="0">
-                <a:pos x="0" y="1331"/>
-              </a:cxn>
-              <a:cxn ang="0">
-                <a:pos x="5760" y="1331"/>
-              </a:cxn>
-              <a:cxn ang="0">
-                <a:pos x="5760" y="0"/>
-              </a:cxn>
-              <a:cxn ang="0">
-                <a:pos x="0" y="1066"/>
-              </a:cxn>
-            </a:cxnLst>
-            <a:rect l="0" t="0" r="0" b="0"/>
-            <a:pathLst>
-              <a:path w="5760" h="1331">
-                <a:moveTo>
-                  <a:pt x="0" y="1066"/>
-                </a:moveTo>
-                <a:lnTo>
-                  <a:pt x="0" y="1331"/>
-                </a:lnTo>
-                <a:lnTo>
-                  <a:pt x="5760" y="1331"/>
-                </a:lnTo>
-                <a:lnTo>
-                  <a:pt x="5760" y="0"/>
-                </a:lnTo>
-                <a:cubicBezTo>
-                  <a:pt x="3220" y="1206"/>
-                  <a:pt x="2250" y="1146"/>
-                  <a:pt x="0" y="1066"/>
-                </a:cubicBezTo>
-                <a:close/>
-              </a:path>
-            </a:pathLst>
-          </a:custGeom>
-          <a:solidFill>
-            <a:schemeClr val="bg1">
-              <a:tint val="80000"/>
-              <a:satMod val="200000"/>
-              <a:alpha val="45000"/>
-            </a:schemeClr>
-          </a:solidFill>
-          <a:ln w="9525" cap="flat" cmpd="sng" algn="ctr">
-            <a:noFill/>
-            <a:prstDash val="solid"/>
-            <a:round/>
-            <a:headEnd type="none" w="med" len="med"/>
-            <a:tailEnd type="none" w="med" len="med"/>
-          </a:ln>
-          <a:effectLst>
-            <a:outerShdw blurRad="50800" dist="44450" dir="16200000" algn="ctr" rotWithShape="0">
-              <a:prstClr val="black">
-                <a:alpha val="35000"/>
-              </a:prstClr>
-            </a:outerShdw>
-          </a:effectLst>
-        </p:spPr>
-        <p:txBody>
-          <a:bodyPr vert="horz" wrap="square" lIns="91440" tIns="45720" rIns="91440" bIns="45720" anchor="t" compatLnSpc="1"/>
-          <a:lstStyle/>
-          <a:p>
-            <a:endParaRPr kumimoji="0" lang="en-US"/>
-          </a:p>
-        </p:txBody>
-      </p:sp>
-      <p:sp>
-        <p:nvSpPr>
-          <p:cNvPr id="16" name="フリーフォーム 15"/>
-          <p:cNvSpPr>
-            <a:spLocks/>
-          </p:cNvSpPr>
-          <p:nvPr/>
-        </p:nvSpPr>
-        <p:spPr bwMode="auto">
-          <a:xfrm>
-            <a:off x="7315200" y="0"/>
-            <a:ext cx="1828800" cy="6858000"/>
-          </a:xfrm>
-          <a:custGeom>
-            <a:avLst/>
-            <a:gdLst>
-              <a:gd name="connsiteX0" fmla="*/ 1914 w 1914"/>
-              <a:gd name="connsiteY0" fmla="*/ 9 h 4329"/>
-              <a:gd name="connsiteX1" fmla="*/ 1914 w 1914"/>
-              <a:gd name="connsiteY1" fmla="*/ 4329 h 4329"/>
-              <a:gd name="connsiteX2" fmla="*/ 204 w 1914"/>
-              <a:gd name="connsiteY2" fmla="*/ 4327 h 4329"/>
-              <a:gd name="connsiteX3" fmla="*/ 0 w 1914"/>
-              <a:gd name="connsiteY3" fmla="*/ 0 h 4329"/>
-              <a:gd name="connsiteX4" fmla="*/ 1914 w 1914"/>
-              <a:gd name="connsiteY4" fmla="*/ 9 h 4329"/>
-            </a:gdLst>
-            <a:ahLst/>
-            <a:cxnLst>
-              <a:cxn ang="0">
-                <a:pos x="connsiteX0" y="connsiteY0"/>
-              </a:cxn>
-              <a:cxn ang="0">
-                <a:pos x="connsiteX1" y="connsiteY1"/>
-              </a:cxn>
-              <a:cxn ang="0">
-                <a:pos x="connsiteX2" y="connsiteY2"/>
-              </a:cxn>
-              <a:cxn ang="0">
-                <a:pos x="connsiteX3" y="connsiteY3"/>
-              </a:cxn>
-              <a:cxn ang="0">
-                <a:pos x="connsiteX4" y="connsiteY4"/>
-              </a:cxn>
-            </a:cxnLst>
-            <a:rect l="l" t="t" r="r" b="b"/>
-            <a:pathLst>
-              <a:path w="1914" h="4329">
-                <a:moveTo>
-                  <a:pt x="1914" y="9"/>
-                </a:moveTo>
-                <a:lnTo>
-                  <a:pt x="1914" y="4329"/>
-                </a:lnTo>
-                <a:lnTo>
-                  <a:pt x="204" y="4327"/>
-                </a:lnTo>
-                <a:cubicBezTo>
-                  <a:pt x="1288" y="3574"/>
-                  <a:pt x="2082" y="1734"/>
-                  <a:pt x="0" y="0"/>
-                </a:cubicBezTo>
-                <a:lnTo>
-                  <a:pt x="1914" y="9"/>
-                </a:lnTo>
-                <a:close/>
-              </a:path>
-            </a:pathLst>
-          </a:custGeom>
-          <a:solidFill>
-            <a:schemeClr val="bg1">
-              <a:tint val="90000"/>
-              <a:satMod val="350000"/>
-              <a:alpha val="40000"/>
-            </a:schemeClr>
-          </a:solidFill>
-          <a:ln w="9525" cap="flat" cmpd="sng" algn="ctr">
-            <a:noFill/>
-            <a:prstDash val="solid"/>
-            <a:round/>
-            <a:headEnd type="none" w="med" len="med"/>
-            <a:tailEnd type="none" w="med" len="med"/>
-          </a:ln>
-          <a:effectLst>
-            <a:outerShdw blurRad="50800" dist="50800" dir="10800000" algn="ctr" rotWithShape="0">
-              <a:prstClr val="black">
-                <a:alpha val="45000"/>
-              </a:prstClr>
-            </a:outerShdw>
-          </a:effectLst>
-        </p:spPr>
-        <p:txBody>
-          <a:bodyPr vert="horz" wrap="square" lIns="91440" tIns="45720" rIns="91440" bIns="45720" anchor="t" compatLnSpc="1"/>
-          <a:lstStyle/>
-          <a:p>
-            <a:endParaRPr kumimoji="0" lang="en-US"/>
-          </a:p>
-        </p:txBody>
-      </p:sp>
-      <p:sp>
-        <p:nvSpPr>
           <p:cNvPr id="9" name="タイトル プレースホルダ 8"/>
           <p:cNvSpPr>
             <a:spLocks noGrp="1"/>
@@ -3530,7 +3342,7 @@
             <a:fld id="{8839B124-D151-7E40-BD00-8DC927F036D0}" type="datetimeFigureOut">
               <a:rPr lang="ja-JP" altLang="en-US" smtClean="0"/>
               <a:pPr/>
-              <a:t>13.10.7</a:t>
+              <a:t>13.10.9</a:t>
             </a:fld>
             <a:endParaRPr lang="ja-JP" altLang="en-US"/>
           </a:p>
@@ -3640,7 +3452,7 @@
         <a:buNone/>
         <a:defRPr kumimoji="1" sz="4600" kern="1200">
           <a:solidFill>
-            <a:schemeClr val="tx1"/>
+            <a:schemeClr val="bg1"/>
           </a:solidFill>
           <a:latin typeface="+mj-lt"/>
           <a:ea typeface="HG丸ｺﾞｼｯｸM-PRO"/>
@@ -3661,7 +3473,7 @@
         <a:buChar char=""/>
         <a:defRPr kumimoji="1" sz="3000" kern="1200">
           <a:solidFill>
-            <a:schemeClr val="tx1"/>
+            <a:srgbClr val="000000"/>
           </a:solidFill>
           <a:latin typeface="+mn-lt"/>
           <a:ea typeface="HG丸ｺﾞｼｯｸM-PRO"/>
@@ -3680,7 +3492,7 @@
         <a:buChar char=""/>
         <a:defRPr kumimoji="1" sz="2600" kern="1200">
           <a:solidFill>
-            <a:schemeClr val="tx1"/>
+            <a:srgbClr val="000000"/>
           </a:solidFill>
           <a:latin typeface="+mn-lt"/>
           <a:ea typeface="HG丸ｺﾞｼｯｸM-PRO"/>
@@ -3699,7 +3511,7 @@
         <a:buChar char="○"/>
         <a:defRPr kumimoji="1" sz="2400" kern="1200">
           <a:solidFill>
-            <a:schemeClr val="tx1"/>
+            <a:srgbClr val="000000"/>
           </a:solidFill>
           <a:latin typeface="+mn-lt"/>
           <a:ea typeface="HG丸ｺﾞｼｯｸM-PRO"/>
@@ -3718,7 +3530,7 @@
         <a:buChar char=""/>
         <a:defRPr kumimoji="1" sz="2000" kern="1200">
           <a:solidFill>
-            <a:schemeClr val="tx1"/>
+            <a:srgbClr val="000000"/>
           </a:solidFill>
           <a:latin typeface="+mn-lt"/>
           <a:ea typeface="HG丸ｺﾞｼｯｸM-PRO"/>
@@ -3737,7 +3549,7 @@
         <a:buChar char="-"/>
         <a:defRPr kumimoji="1" sz="2000" kern="1200">
           <a:solidFill>
-            <a:schemeClr val="tx1"/>
+            <a:srgbClr val="000000"/>
           </a:solidFill>
           <a:latin typeface="+mn-lt"/>
           <a:ea typeface="HG丸ｺﾞｼｯｸM-PRO"/>
@@ -3939,7 +3751,7 @@
         </p:nvSpPr>
         <p:spPr>
           <a:xfrm>
-            <a:off x="2205666" y="3035170"/>
+            <a:off x="2517151" y="3035170"/>
             <a:ext cx="4205073" cy="1015663"/>
           </a:xfrm>
           <a:prstGeom prst="rect">
@@ -3967,6 +3779,9 @@
             </a:r>
             <a:r>
               <a:rPr lang="en-US" altLang="ja-JP" sz="6000" dirty="0" err="1" smtClean="0">
+                <a:solidFill>
+                  <a:srgbClr val="000000"/>
+                </a:solidFill>
                 <a:ea typeface="HG丸ｺﾞｼｯｸM-PRO"/>
               </a:rPr>
               <a:t>inec</a:t>
@@ -3983,7 +3798,7 @@
             <a:r>
               <a:rPr lang="en-US" altLang="ja-JP" sz="6000" dirty="0" err="1" smtClean="0">
                 <a:solidFill>
-                  <a:srgbClr val="FFFFFF"/>
+                  <a:srgbClr val="000000"/>
                 </a:solidFill>
                 <a:ea typeface="HG丸ｺﾞｼｯｸM-PRO"/>
               </a:rPr>
@@ -3991,7 +3806,7 @@
             </a:r>
             <a:endParaRPr lang="en-US" altLang="ja-JP" sz="6000" dirty="0" smtClean="0">
               <a:solidFill>
-                <a:srgbClr val="FFFFFF"/>
+                <a:srgbClr val="000000"/>
               </a:solidFill>
               <a:ea typeface="HG丸ｺﾞｼｯｸM-PRO"/>
             </a:endParaRPr>
@@ -4020,6 +3835,51 @@
           </a:bodyPr>
           <a:lstStyle/>
           <a:p>
+            <a:endParaRPr kumimoji="1" lang="ja-JP" altLang="en-US" dirty="0"/>
+          </a:p>
+        </p:txBody>
+      </p:sp>
+      <p:sp>
+        <p:nvSpPr>
+          <p:cNvPr id="4" name="テキスト ボックス 3"/>
+          <p:cNvSpPr txBox="1"/>
+          <p:nvPr/>
+        </p:nvSpPr>
+        <p:spPr>
+          <a:xfrm>
+            <a:off x="6199553" y="5268493"/>
+            <a:ext cx="1454470" cy="646331"/>
+          </a:xfrm>
+          <a:prstGeom prst="rect">
+            <a:avLst/>
+          </a:prstGeom>
+          <a:noFill/>
+        </p:spPr>
+        <p:txBody>
+          <a:bodyPr wrap="none" rtlCol="0">
+            <a:spAutoFit/>
+          </a:bodyPr>
+          <a:lstStyle/>
+          <a:p>
+            <a:r>
+              <a:rPr lang="en-US" altLang="ja-JP" dirty="0" smtClean="0"/>
+              <a:t>B3 </a:t>
+            </a:r>
+            <a:r>
+              <a:rPr kumimoji="1" lang="ja-JP" altLang="en-US" dirty="0" smtClean="0"/>
+              <a:t>池内弘樹</a:t>
+            </a:r>
+            <a:endParaRPr kumimoji="1" lang="en-US" altLang="ja-JP" dirty="0" smtClean="0"/>
+          </a:p>
+          <a:p>
+            <a:r>
+              <a:rPr lang="en-US" altLang="ja-JP" dirty="0" smtClean="0"/>
+              <a:t>B3 </a:t>
+            </a:r>
+            <a:r>
+              <a:rPr lang="ja-JP" altLang="en-US" dirty="0" smtClean="0"/>
+              <a:t>大塚知亮</a:t>
+            </a:r>
             <a:endParaRPr kumimoji="1" lang="ja-JP" altLang="en-US" dirty="0"/>
           </a:p>
         </p:txBody>
@@ -4326,25 +4186,6 @@
       </p:grpSpPr>
       <p:sp>
         <p:nvSpPr>
-          <p:cNvPr id="2" name="タイトル 1"/>
-          <p:cNvSpPr>
-            <a:spLocks noGrp="1"/>
-          </p:cNvSpPr>
-          <p:nvPr>
-            <p:ph type="title"/>
-          </p:nvPr>
-        </p:nvSpPr>
-        <p:spPr/>
-        <p:txBody>
-          <a:bodyPr/>
-          <a:lstStyle/>
-          <a:p>
-            <a:endParaRPr lang="ja-JP" altLang="en-US" dirty="0"/>
-          </a:p>
-        </p:txBody>
-      </p:sp>
-      <p:sp>
-        <p:nvSpPr>
           <p:cNvPr id="3" name="コンテンツ プレースホルダ 2"/>
           <p:cNvSpPr>
             <a:spLocks noGrp="1"/>
@@ -4353,10 +4194,35 @@
             <p:ph idx="1"/>
           </p:nvPr>
         </p:nvSpPr>
-        <p:spPr/>
-        <p:txBody>
-          <a:bodyPr/>
-          <a:lstStyle/>
+        <p:spPr>
+          <a:xfrm>
+            <a:off x="457200" y="518874"/>
+            <a:ext cx="7467600" cy="5607290"/>
+          </a:xfrm>
+        </p:spPr>
+        <p:txBody>
+          <a:bodyPr>
+            <a:normAutofit/>
+          </a:bodyPr>
+          <a:lstStyle/>
+          <a:p>
+            <a:r>
+              <a:rPr lang="ja-JP" altLang="en-US" dirty="0" smtClean="0"/>
+              <a:t>言語</a:t>
+            </a:r>
+            <a:endParaRPr lang="en-US" altLang="ja-JP" dirty="0" smtClean="0"/>
+          </a:p>
+          <a:p>
+            <a:pPr lvl="1"/>
+            <a:r>
+              <a:rPr lang="en-US" altLang="ja-JP" dirty="0" smtClean="0"/>
+              <a:t>Processing</a:t>
+            </a:r>
+            <a:endParaRPr lang="en-US" altLang="ja-JP" dirty="0" smtClean="0"/>
+          </a:p>
+          <a:p>
+            <a:endParaRPr lang="en-US" altLang="ja-JP" dirty="0" smtClean="0"/>
+          </a:p>
           <a:p>
             <a:r>
               <a:rPr lang="en-US" altLang="ja-JP" dirty="0" err="1" smtClean="0"/>
@@ -4373,9 +4239,629 @@
             <a:endParaRPr lang="en-US" altLang="ja-JP" dirty="0" smtClean="0"/>
           </a:p>
           <a:p>
+            <a:pPr lvl="1"/>
             <a:endParaRPr lang="en-US" altLang="ja-JP" dirty="0" smtClean="0"/>
           </a:p>
           <a:p>
+            <a:r>
+              <a:rPr lang="en-US" altLang="ja-JP" dirty="0" err="1" smtClean="0"/>
+              <a:t>AR.Drone</a:t>
+            </a:r>
+            <a:endParaRPr lang="en-US" altLang="ja-JP" dirty="0" smtClean="0"/>
+          </a:p>
+          <a:p>
+            <a:pPr lvl="1"/>
+            <a:r>
+              <a:rPr lang="en-US" altLang="ja-JP" dirty="0" smtClean="0"/>
+              <a:t>ARDroneForP5</a:t>
+            </a:r>
+          </a:p>
+          <a:p>
+            <a:pPr lvl="1"/>
+            <a:endParaRPr lang="en-US" altLang="ja-JP" dirty="0" smtClean="0"/>
+          </a:p>
+          <a:p>
+            <a:r>
+              <a:rPr lang="en-US" altLang="ja-JP" dirty="0" smtClean="0"/>
+              <a:t>HMD</a:t>
+            </a:r>
+          </a:p>
+          <a:p>
+            <a:pPr lvl="1"/>
+            <a:r>
+              <a:rPr lang="en-US" altLang="ja-JP" dirty="0" smtClean="0"/>
+              <a:t>HMZ-T2</a:t>
+            </a:r>
+          </a:p>
+          <a:p>
+            <a:endParaRPr lang="ja-JP" altLang="en-US" dirty="0"/>
+          </a:p>
+        </p:txBody>
+      </p:sp>
+    </p:spTree>
+  </p:cSld>
+  <p:clrMapOvr>
+    <a:masterClrMapping/>
+  </p:clrMapOvr>
+</p:sld>
+</file>
+
+<file path=ppt/slides/slide4.xml><?xml version="1.0" encoding="utf-8"?>
+<p:sld xmlns:a="http://schemas.openxmlformats.org/drawingml/2006/main" xmlns:r="http://schemas.openxmlformats.org/officeDocument/2006/relationships" xmlns:mc="http://schemas.openxmlformats.org/markup-compatibility/2006" xmlns:mv="urn:schemas-microsoft-com:mac:vml" xmlns:p="http://schemas.openxmlformats.org/presentationml/2006/main" mc:Ignorable="mv" mc:PreserveAttributes="mv:*">
+  <p:cSld>
+    <p:spTree>
+      <p:nvGrpSpPr>
+        <p:cNvPr id="1" name=""/>
+        <p:cNvGrpSpPr/>
+        <p:nvPr/>
+      </p:nvGrpSpPr>
+      <p:grpSpPr>
+        <a:xfrm>
+          <a:off x="0" y="0"/>
+          <a:ext cx="0" cy="0"/>
+          <a:chOff x="0" y="0"/>
+          <a:chExt cx="0" cy="0"/>
+        </a:xfrm>
+      </p:grpSpPr>
+      <p:sp>
+        <p:nvSpPr>
+          <p:cNvPr id="2" name="タイトル 1"/>
+          <p:cNvSpPr>
+            <a:spLocks noGrp="1"/>
+          </p:cNvSpPr>
+          <p:nvPr>
+            <p:ph type="title"/>
+          </p:nvPr>
+        </p:nvSpPr>
+        <p:spPr>
+          <a:xfrm>
+            <a:off x="443545" y="274638"/>
+            <a:ext cx="7467600" cy="1143000"/>
+          </a:xfrm>
+        </p:spPr>
+        <p:txBody>
+          <a:bodyPr/>
+          <a:lstStyle/>
+          <a:p>
+            <a:r>
+              <a:rPr lang="en-US" altLang="en-US" dirty="0" smtClean="0"/>
+              <a:t>概要</a:t>
+            </a:r>
+            <a:endParaRPr lang="ja-JP" altLang="en-US" dirty="0"/>
+          </a:p>
+        </p:txBody>
+      </p:sp>
+      <p:sp>
+        <p:nvSpPr>
+          <p:cNvPr id="3" name="コンテンツ プレースホルダ 2"/>
+          <p:cNvSpPr>
+            <a:spLocks noGrp="1"/>
+          </p:cNvSpPr>
+          <p:nvPr>
+            <p:ph idx="1"/>
+          </p:nvPr>
+        </p:nvSpPr>
+        <p:spPr>
+          <a:xfrm>
+            <a:off x="457200" y="1600201"/>
+            <a:ext cx="7467600" cy="4776476"/>
+          </a:xfrm>
+        </p:spPr>
+        <p:txBody>
+          <a:bodyPr>
+            <a:normAutofit lnSpcReduction="10000"/>
+          </a:bodyPr>
+          <a:lstStyle/>
+          <a:p>
+            <a:r>
+              <a:rPr lang="ja-JP" altLang="en-US" dirty="0" smtClean="0"/>
+              <a:t>コンセプト</a:t>
+            </a:r>
+            <a:endParaRPr lang="en-US" altLang="ja-JP" dirty="0" smtClean="0"/>
+          </a:p>
+          <a:p>
+            <a:pPr lvl="1"/>
+            <a:r>
+              <a:rPr lang="ja-JP" altLang="en-US" dirty="0" smtClean="0"/>
+              <a:t>身体感覚の拡張</a:t>
+            </a:r>
+            <a:endParaRPr lang="en-US" altLang="ja-JP" dirty="0" smtClean="0"/>
+          </a:p>
+          <a:p>
+            <a:endParaRPr lang="en-US" altLang="ja-JP" dirty="0" smtClean="0"/>
+          </a:p>
+          <a:p>
+            <a:pPr lvl="1"/>
+            <a:r>
+              <a:rPr lang="ja-JP" altLang="en-US" dirty="0" smtClean="0"/>
+              <a:t>実世界にフィードバック</a:t>
+            </a:r>
+            <a:endParaRPr lang="en-US" altLang="ja-JP" dirty="0" smtClean="0"/>
+          </a:p>
+          <a:p>
+            <a:pPr lvl="2"/>
+            <a:r>
+              <a:rPr lang="ja-JP" altLang="en-US" dirty="0" smtClean="0"/>
+              <a:t>新しい</a:t>
+            </a:r>
+            <a:r>
+              <a:rPr lang="en-US" altLang="ja-JP" dirty="0" err="1" smtClean="0"/>
+              <a:t>Kinect</a:t>
+            </a:r>
+            <a:r>
+              <a:rPr lang="ja-JP" altLang="en-US" dirty="0" smtClean="0"/>
+              <a:t>の利用方法</a:t>
+            </a:r>
+            <a:endParaRPr lang="en-US" altLang="ja-JP" dirty="0" smtClean="0"/>
+          </a:p>
+          <a:p>
+            <a:pPr lvl="2"/>
+            <a:endParaRPr lang="en-US" altLang="ja-JP" dirty="0" smtClean="0"/>
+          </a:p>
+          <a:p>
+            <a:r>
+              <a:rPr lang="en-US" altLang="ja-JP" sz="2595" dirty="0" err="1" smtClean="0"/>
+              <a:t>Kinect</a:t>
+            </a:r>
+            <a:r>
+              <a:rPr lang="ja-JP" altLang="en-US" sz="2595" dirty="0" smtClean="0"/>
+              <a:t>を用い</a:t>
+            </a:r>
+            <a:r>
+              <a:rPr lang="en-US" altLang="ja-JP" sz="2595" dirty="0" err="1" smtClean="0"/>
+              <a:t>AR.Drone</a:t>
+            </a:r>
+            <a:r>
+              <a:rPr lang="ja-JP" altLang="en-US" sz="2595" dirty="0" smtClean="0"/>
+              <a:t>を体全体で操作する。この時</a:t>
+            </a:r>
+            <a:r>
+              <a:rPr lang="en-US" altLang="ja-JP" sz="2595" dirty="0" err="1" smtClean="0"/>
+              <a:t>AR.Drone</a:t>
+            </a:r>
+            <a:r>
+              <a:rPr lang="ja-JP" altLang="en-US" sz="2595" dirty="0" smtClean="0"/>
+              <a:t>のカメラ映像をリアルタイムに</a:t>
+            </a:r>
+            <a:r>
+              <a:rPr lang="en-US" altLang="ja-JP" sz="2595" dirty="0" smtClean="0"/>
+              <a:t>HMD</a:t>
+            </a:r>
+            <a:r>
+              <a:rPr lang="ja-JP" altLang="en-US" sz="2595" dirty="0" smtClean="0"/>
+              <a:t>に表示する。</a:t>
+            </a:r>
+            <a:endParaRPr lang="en-US" altLang="ja-JP" sz="2595" dirty="0" smtClean="0"/>
+          </a:p>
+          <a:p>
+            <a:pPr>
+              <a:buNone/>
+            </a:pPr>
+            <a:r>
+              <a:rPr lang="en-US" altLang="ja-JP" sz="2595" dirty="0" smtClean="0"/>
+              <a:t>	</a:t>
+            </a:r>
+            <a:r>
+              <a:rPr lang="ja-JP" altLang="en-US" sz="2595" dirty="0" smtClean="0"/>
+              <a:t>これにより</a:t>
+            </a:r>
+            <a:r>
+              <a:rPr lang="en-US" altLang="ja-JP" sz="2595" dirty="0" err="1" smtClean="0"/>
+              <a:t>AR.Drone</a:t>
+            </a:r>
+            <a:r>
+              <a:rPr lang="ja-JP" altLang="en-US" sz="2595" dirty="0" smtClean="0"/>
+              <a:t>の空を飛んでいる感覚を共有することで、身体感覚の拡張を目指す</a:t>
+            </a:r>
+            <a:r>
+              <a:rPr lang="ja-JP" altLang="en-US" sz="2595" dirty="0" smtClean="0"/>
+              <a:t>。</a:t>
+            </a:r>
+            <a:endParaRPr lang="en-US" altLang="ja-JP" sz="2595" dirty="0" smtClean="0"/>
+          </a:p>
+          <a:p>
+            <a:endParaRPr lang="en-US" altLang="ja-JP" dirty="0" smtClean="0"/>
+          </a:p>
+          <a:p>
+            <a:endParaRPr lang="en-US" altLang="ja-JP" dirty="0" smtClean="0"/>
+          </a:p>
+          <a:p>
+            <a:pPr lvl="1"/>
+            <a:endParaRPr lang="en-US" altLang="ja-JP" dirty="0" smtClean="0"/>
+          </a:p>
+          <a:p>
+            <a:endParaRPr lang="en-US" altLang="ja-JP" dirty="0" smtClean="0"/>
+          </a:p>
+          <a:p>
+            <a:endParaRPr lang="en-US" altLang="ja-JP" dirty="0" smtClean="0"/>
+          </a:p>
+        </p:txBody>
+      </p:sp>
+    </p:spTree>
+  </p:cSld>
+  <p:clrMapOvr>
+    <a:masterClrMapping/>
+  </p:clrMapOvr>
+</p:sld>
+</file>
+
+<file path=ppt/slides/slide5.xml><?xml version="1.0" encoding="utf-8"?>
+<p:sld xmlns:a="http://schemas.openxmlformats.org/drawingml/2006/main" xmlns:r="http://schemas.openxmlformats.org/officeDocument/2006/relationships" xmlns:mc="http://schemas.openxmlformats.org/markup-compatibility/2006" xmlns:mv="urn:schemas-microsoft-com:mac:vml" xmlns:p="http://schemas.openxmlformats.org/presentationml/2006/main" mc:Ignorable="mv" mc:PreserveAttributes="mv:*">
+  <p:cSld>
+    <p:spTree>
+      <p:nvGrpSpPr>
+        <p:cNvPr id="1" name=""/>
+        <p:cNvGrpSpPr/>
+        <p:nvPr/>
+      </p:nvGrpSpPr>
+      <p:grpSpPr>
+        <a:xfrm>
+          <a:off x="0" y="0"/>
+          <a:ext cx="0" cy="0"/>
+          <a:chOff x="0" y="0"/>
+          <a:chExt cx="0" cy="0"/>
+        </a:xfrm>
+      </p:grpSpPr>
+      <p:sp>
+        <p:nvSpPr>
+          <p:cNvPr id="2" name="タイトル 1"/>
+          <p:cNvSpPr>
+            <a:spLocks noGrp="1"/>
+          </p:cNvSpPr>
+          <p:nvPr>
+            <p:ph type="title"/>
+          </p:nvPr>
+        </p:nvSpPr>
+        <p:spPr/>
+        <p:txBody>
+          <a:bodyPr/>
+          <a:lstStyle/>
+          <a:p>
+            <a:r>
+              <a:rPr lang="ja-JP" altLang="en-US" dirty="0" smtClean="0"/>
+              <a:t>背景</a:t>
+            </a:r>
+            <a:endParaRPr lang="ja-JP" altLang="en-US" dirty="0"/>
+          </a:p>
+        </p:txBody>
+      </p:sp>
+      <p:sp>
+        <p:nvSpPr>
+          <p:cNvPr id="3" name="コンテンツ プレースホルダ 2"/>
+          <p:cNvSpPr>
+            <a:spLocks noGrp="1"/>
+          </p:cNvSpPr>
+          <p:nvPr>
+            <p:ph idx="1"/>
+          </p:nvPr>
+        </p:nvSpPr>
+        <p:spPr/>
+        <p:txBody>
+          <a:bodyPr/>
+          <a:lstStyle/>
+          <a:p>
+            <a:pPr>
+              <a:buNone/>
+            </a:pPr>
+            <a:r>
+              <a:rPr lang="en-US" altLang="ja-JP" dirty="0" smtClean="0"/>
+              <a:t>	</a:t>
+            </a:r>
+            <a:r>
+              <a:rPr lang="en-US" altLang="ja-JP" dirty="0" err="1" smtClean="0"/>
+              <a:t>Kinect</a:t>
+            </a:r>
+            <a:r>
+              <a:rPr lang="ja-JP" altLang="en-US" dirty="0" smtClean="0"/>
+              <a:t>コンテストに向けて</a:t>
+            </a:r>
+            <a:r>
+              <a:rPr lang="en-US" altLang="ja-JP" dirty="0" err="1" smtClean="0"/>
+              <a:t>Kinect</a:t>
+            </a:r>
+            <a:r>
+              <a:rPr lang="ja-JP" altLang="en-US" dirty="0" smtClean="0"/>
+              <a:t>を用いたコンテンツの作成をすることになった。そこでコンセプトをバカっぽいことと身体の拡張、現実世界へのフィードバックと決定した。</a:t>
+            </a:r>
+            <a:endParaRPr lang="en-US" altLang="ja-JP" dirty="0" smtClean="0"/>
+          </a:p>
+          <a:p>
+            <a:pPr>
+              <a:buNone/>
+            </a:pPr>
+            <a:r>
+              <a:rPr lang="en-US" altLang="ja-JP" dirty="0" smtClean="0"/>
+              <a:t>	</a:t>
+            </a:r>
+            <a:endParaRPr lang="ja-JP" altLang="en-US" dirty="0"/>
+          </a:p>
+        </p:txBody>
+      </p:sp>
+    </p:spTree>
+  </p:cSld>
+  <p:clrMapOvr>
+    <a:masterClrMapping/>
+  </p:clrMapOvr>
+</p:sld>
+</file>
+
+<file path=ppt/slides/slide6.xml><?xml version="1.0" encoding="utf-8"?>
+<p:sld xmlns:a="http://schemas.openxmlformats.org/drawingml/2006/main" xmlns:r="http://schemas.openxmlformats.org/officeDocument/2006/relationships" xmlns:mc="http://schemas.openxmlformats.org/markup-compatibility/2006" xmlns:mv="urn:schemas-microsoft-com:mac:vml" xmlns:p="http://schemas.openxmlformats.org/presentationml/2006/main" mc:Ignorable="mv" mc:PreserveAttributes="mv:*">
+  <p:cSld>
+    <p:spTree>
+      <p:nvGrpSpPr>
+        <p:cNvPr id="1" name=""/>
+        <p:cNvGrpSpPr/>
+        <p:nvPr/>
+      </p:nvGrpSpPr>
+      <p:grpSpPr>
+        <a:xfrm>
+          <a:off x="0" y="0"/>
+          <a:ext cx="0" cy="0"/>
+          <a:chOff x="0" y="0"/>
+          <a:chExt cx="0" cy="0"/>
+        </a:xfrm>
+      </p:grpSpPr>
+      <p:sp>
+        <p:nvSpPr>
+          <p:cNvPr id="2" name="タイトル 1"/>
+          <p:cNvSpPr>
+            <a:spLocks noGrp="1"/>
+          </p:cNvSpPr>
+          <p:nvPr>
+            <p:ph type="title"/>
+          </p:nvPr>
+        </p:nvSpPr>
+        <p:spPr/>
+        <p:txBody>
+          <a:bodyPr/>
+          <a:lstStyle/>
+          <a:p>
+            <a:r>
+              <a:rPr lang="ja-JP" altLang="en-US" dirty="0" smtClean="0"/>
+              <a:t>提案手法</a:t>
+            </a:r>
+            <a:endParaRPr lang="ja-JP" altLang="en-US" dirty="0"/>
+          </a:p>
+        </p:txBody>
+      </p:sp>
+      <p:sp>
+        <p:nvSpPr>
+          <p:cNvPr id="3" name="コンテンツ プレースホルダ 2"/>
+          <p:cNvSpPr>
+            <a:spLocks noGrp="1"/>
+          </p:cNvSpPr>
+          <p:nvPr>
+            <p:ph idx="1"/>
+          </p:nvPr>
+        </p:nvSpPr>
+        <p:spPr/>
+        <p:txBody>
+          <a:bodyPr/>
+          <a:lstStyle/>
+          <a:p>
+            <a:pPr>
+              <a:buNone/>
+            </a:pPr>
+            <a:r>
+              <a:rPr lang="en-US" altLang="ja-JP" dirty="0" smtClean="0"/>
+              <a:t>	</a:t>
+            </a:r>
+            <a:r>
+              <a:rPr lang="en-US" altLang="ja-JP" dirty="0" err="1" smtClean="0"/>
+              <a:t>Kinect</a:t>
+            </a:r>
+            <a:r>
+              <a:rPr lang="ja-JP" altLang="en-US" dirty="0" smtClean="0"/>
+              <a:t>を利用して取得した骨格情報を認識し、ユーザの動作を取得する。</a:t>
+            </a:r>
+            <a:endParaRPr lang="ja-JP" altLang="en-US" dirty="0" smtClean="0"/>
+          </a:p>
+          <a:p>
+            <a:pPr>
+              <a:buNone/>
+            </a:pPr>
+            <a:r>
+              <a:rPr lang="en-US" altLang="ja-JP" dirty="0" smtClean="0"/>
+              <a:t>	</a:t>
+            </a:r>
+            <a:r>
+              <a:rPr lang="en-US" altLang="ja-JP" dirty="0" err="1" smtClean="0"/>
+              <a:t>AR.Drone</a:t>
+            </a:r>
+            <a:r>
+              <a:rPr lang="ja-JP" altLang="en-US" dirty="0" smtClean="0"/>
+              <a:t>を操作するコマンドを作成し、ユーザの動作をコマンドに割り当てること</a:t>
+            </a:r>
+            <a:r>
+              <a:rPr lang="ja-JP" altLang="en-US" dirty="0" smtClean="0"/>
+              <a:t>で体感型</a:t>
+            </a:r>
+            <a:r>
+              <a:rPr lang="ja-JP" altLang="en-US" dirty="0" smtClean="0"/>
+              <a:t>のインターフェースを実現する。</a:t>
+            </a:r>
+            <a:endParaRPr lang="ja-JP" altLang="en-US" dirty="0" smtClean="0"/>
+          </a:p>
+          <a:p>
+            <a:pPr>
+              <a:buNone/>
+            </a:pPr>
+            <a:r>
+              <a:rPr lang="en-US" altLang="ja-JP" dirty="0" smtClean="0"/>
+              <a:t>	</a:t>
+            </a:r>
+            <a:r>
+              <a:rPr lang="ja-JP" altLang="en-US" dirty="0" smtClean="0"/>
+              <a:t>ユーザ</a:t>
+            </a:r>
+            <a:r>
+              <a:rPr lang="ja-JP" altLang="en-US" dirty="0" smtClean="0"/>
+              <a:t>は</a:t>
+            </a:r>
+            <a:r>
+              <a:rPr lang="en-US" altLang="ja-JP" dirty="0" err="1" smtClean="0"/>
+              <a:t>AR.Drone</a:t>
+            </a:r>
+            <a:r>
+              <a:rPr lang="ja-JP" altLang="en-US" dirty="0" smtClean="0"/>
+              <a:t>の前方カメラの影像を</a:t>
+            </a:r>
+            <a:r>
+              <a:rPr lang="en-US" altLang="ja-JP" dirty="0" smtClean="0"/>
+              <a:t>HMD</a:t>
+            </a:r>
+            <a:r>
+              <a:rPr lang="ja-JP" altLang="en-US" dirty="0" smtClean="0"/>
+              <a:t>から見ることにより、体感性の向上を目指す。</a:t>
+            </a:r>
+            <a:endParaRPr lang="ja-JP" altLang="en-US" dirty="0"/>
+          </a:p>
+        </p:txBody>
+      </p:sp>
+    </p:spTree>
+  </p:cSld>
+  <p:clrMapOvr>
+    <a:masterClrMapping/>
+  </p:clrMapOvr>
+</p:sld>
+</file>
+
+<file path=ppt/slides/slide7.xml><?xml version="1.0" encoding="utf-8"?>
+<p:sld xmlns:a="http://schemas.openxmlformats.org/drawingml/2006/main" xmlns:r="http://schemas.openxmlformats.org/officeDocument/2006/relationships" xmlns:mc="http://schemas.openxmlformats.org/markup-compatibility/2006" xmlns:mv="urn:schemas-microsoft-com:mac:vml" xmlns:p="http://schemas.openxmlformats.org/presentationml/2006/main" mc:Ignorable="mv" mc:PreserveAttributes="mv:*">
+  <p:cSld>
+    <p:spTree>
+      <p:nvGrpSpPr>
+        <p:cNvPr id="1" name=""/>
+        <p:cNvGrpSpPr/>
+        <p:nvPr/>
+      </p:nvGrpSpPr>
+      <p:grpSpPr>
+        <a:xfrm>
+          <a:off x="0" y="0"/>
+          <a:ext cx="0" cy="0"/>
+          <a:chOff x="0" y="0"/>
+          <a:chExt cx="0" cy="0"/>
+        </a:xfrm>
+      </p:grpSpPr>
+      <p:sp>
+        <p:nvSpPr>
+          <p:cNvPr id="2" name="タイトル 1"/>
+          <p:cNvSpPr>
+            <a:spLocks noGrp="1"/>
+          </p:cNvSpPr>
+          <p:nvPr>
+            <p:ph type="title"/>
+          </p:nvPr>
+        </p:nvSpPr>
+        <p:spPr/>
+        <p:txBody>
+          <a:bodyPr/>
+          <a:lstStyle/>
+          <a:p>
+            <a:r>
+              <a:rPr lang="ja-JP" altLang="en-US" dirty="0" smtClean="0"/>
+              <a:t>実装方法</a:t>
+            </a:r>
+            <a:r>
+              <a:rPr lang="en-US" altLang="ja-JP" dirty="0" smtClean="0"/>
+              <a:t>	</a:t>
+            </a:r>
+            <a:endParaRPr lang="ja-JP" altLang="en-US" dirty="0"/>
+          </a:p>
+        </p:txBody>
+      </p:sp>
+      <p:sp>
+        <p:nvSpPr>
+          <p:cNvPr id="3" name="コンテンツ プレースホルダ 2"/>
+          <p:cNvSpPr>
+            <a:spLocks noGrp="1"/>
+          </p:cNvSpPr>
+          <p:nvPr>
+            <p:ph idx="1"/>
+          </p:nvPr>
+        </p:nvSpPr>
+        <p:spPr/>
+        <p:txBody>
+          <a:bodyPr/>
+          <a:lstStyle/>
+          <a:p>
+            <a:endParaRPr lang="en-US" altLang="ja-JP" dirty="0" smtClean="0"/>
+          </a:p>
+          <a:p>
+            <a:endParaRPr lang="ja-JP" altLang="en-US" dirty="0"/>
+          </a:p>
+        </p:txBody>
+      </p:sp>
+    </p:spTree>
+  </p:cSld>
+  <p:clrMapOvr>
+    <a:masterClrMapping/>
+  </p:clrMapOvr>
+</p:sld>
+</file>
+
+<file path=ppt/slides/slide8.xml><?xml version="1.0" encoding="utf-8"?>
+<p:sld xmlns:a="http://schemas.openxmlformats.org/drawingml/2006/main" xmlns:r="http://schemas.openxmlformats.org/officeDocument/2006/relationships" xmlns:mc="http://schemas.openxmlformats.org/markup-compatibility/2006" xmlns:mv="urn:schemas-microsoft-com:mac:vml" xmlns:p="http://schemas.openxmlformats.org/presentationml/2006/main" mc:Ignorable="mv" mc:PreserveAttributes="mv:*">
+  <p:cSld>
+    <p:spTree>
+      <p:nvGrpSpPr>
+        <p:cNvPr id="1" name=""/>
+        <p:cNvGrpSpPr/>
+        <p:nvPr/>
+      </p:nvGrpSpPr>
+      <p:grpSpPr>
+        <a:xfrm>
+          <a:off x="0" y="0"/>
+          <a:ext cx="0" cy="0"/>
+          <a:chOff x="0" y="0"/>
+          <a:chExt cx="0" cy="0"/>
+        </a:xfrm>
+      </p:grpSpPr>
+      <p:sp>
+        <p:nvSpPr>
+          <p:cNvPr id="2" name="タイトル 1"/>
+          <p:cNvSpPr>
+            <a:spLocks noGrp="1"/>
+          </p:cNvSpPr>
+          <p:nvPr>
+            <p:ph type="title"/>
+          </p:nvPr>
+        </p:nvSpPr>
+        <p:spPr/>
+        <p:txBody>
+          <a:bodyPr>
+            <a:normAutofit/>
+          </a:bodyPr>
+          <a:lstStyle/>
+          <a:p>
+            <a:r>
+              <a:rPr lang="ja-JP" altLang="en-US" dirty="0" smtClean="0"/>
+              <a:t>コンテストに向けて</a:t>
+            </a:r>
+            <a:endParaRPr lang="ja-JP" altLang="en-US" dirty="0"/>
+          </a:p>
+        </p:txBody>
+      </p:sp>
+      <p:sp>
+        <p:nvSpPr>
+          <p:cNvPr id="3" name="コンテンツ プレースホルダ 2"/>
+          <p:cNvSpPr>
+            <a:spLocks noGrp="1"/>
+          </p:cNvSpPr>
+          <p:nvPr>
+            <p:ph idx="1"/>
+          </p:nvPr>
+        </p:nvSpPr>
+        <p:spPr/>
+        <p:txBody>
+          <a:bodyPr/>
+          <a:lstStyle/>
+          <a:p>
+            <a:r>
+              <a:rPr lang="ja-JP" altLang="en-US" dirty="0" smtClean="0"/>
+              <a:t>課題</a:t>
+            </a:r>
             <a:endParaRPr lang="ja-JP" altLang="en-US" dirty="0"/>
           </a:p>
         </p:txBody>

--- a/KinecDrone2.pptx
+++ b/KinecDrone2.pptx
@@ -4,6 +4,9 @@
   <p:sldMasterIdLst>
     <p:sldMasterId id="2147483672" r:id="rId1"/>
   </p:sldMasterIdLst>
+  <p:handoutMasterIdLst>
+    <p:handoutMasterId r:id="rId10"/>
+  </p:handoutMasterIdLst>
   <p:sldIdLst>
     <p:sldId id="267" r:id="rId2"/>
     <p:sldId id="266" r:id="rId3"/>
@@ -114,6 +117,166 @@
 </p:presentation>
 </file>
 
+<file path=ppt/handoutMasters/handoutMaster1.xml><?xml version="1.0" encoding="utf-8"?>
+<p:handoutMaster xmlns:a="http://schemas.openxmlformats.org/drawingml/2006/main" xmlns:r="http://schemas.openxmlformats.org/officeDocument/2006/relationships" xmlns:mc="http://schemas.openxmlformats.org/markup-compatibility/2006" xmlns:mv="urn:schemas-microsoft-com:mac:vml" xmlns:p="http://schemas.openxmlformats.org/presentationml/2006/main" mc:Ignorable="mv" mc:PreserveAttributes="mv:*">
+  <p:cSld>
+    <p:bg>
+      <p:bgRef idx="1001">
+        <a:schemeClr val="bg1"/>
+      </p:bgRef>
+    </p:bg>
+    <p:spTree>
+      <p:nvGrpSpPr>
+        <p:cNvPr id="1" name=""/>
+        <p:cNvGrpSpPr/>
+        <p:nvPr/>
+      </p:nvGrpSpPr>
+      <p:grpSpPr>
+        <a:xfrm>
+          <a:off x="0" y="0"/>
+          <a:ext cx="0" cy="0"/>
+          <a:chOff x="0" y="0"/>
+          <a:chExt cx="0" cy="0"/>
+        </a:xfrm>
+      </p:grpSpPr>
+      <p:sp>
+        <p:nvSpPr>
+          <p:cNvPr id="2" name="ヘッダー プレースホルダ 1"/>
+          <p:cNvSpPr>
+            <a:spLocks noGrp="1"/>
+          </p:cNvSpPr>
+          <p:nvPr>
+            <p:ph type="hdr" sz="quarter"/>
+          </p:nvPr>
+        </p:nvSpPr>
+        <p:spPr>
+          <a:xfrm>
+            <a:off x="0" y="0"/>
+            <a:ext cx="2971800" cy="457200"/>
+          </a:xfrm>
+          <a:prstGeom prst="rect">
+            <a:avLst/>
+          </a:prstGeom>
+        </p:spPr>
+        <p:txBody>
+          <a:bodyPr vert="horz" lIns="91440" tIns="45720" rIns="91440" bIns="45720" rtlCol="0"/>
+          <a:lstStyle>
+            <a:lvl1pPr algn="l">
+              <a:defRPr sz="1200"/>
+            </a:lvl1pPr>
+          </a:lstStyle>
+          <a:p>
+            <a:endParaRPr lang="ja-JP" altLang="en-US"/>
+          </a:p>
+        </p:txBody>
+      </p:sp>
+      <p:sp>
+        <p:nvSpPr>
+          <p:cNvPr id="3" name="日付プレースホルダ 2"/>
+          <p:cNvSpPr>
+            <a:spLocks noGrp="1"/>
+          </p:cNvSpPr>
+          <p:nvPr>
+            <p:ph type="dt" sz="quarter" idx="1"/>
+          </p:nvPr>
+        </p:nvSpPr>
+        <p:spPr>
+          <a:xfrm>
+            <a:off x="3884613" y="0"/>
+            <a:ext cx="2971800" cy="457200"/>
+          </a:xfrm>
+          <a:prstGeom prst="rect">
+            <a:avLst/>
+          </a:prstGeom>
+        </p:spPr>
+        <p:txBody>
+          <a:bodyPr vert="horz" lIns="91440" tIns="45720" rIns="91440" bIns="45720" rtlCol="0"/>
+          <a:lstStyle>
+            <a:lvl1pPr algn="r">
+              <a:defRPr sz="1200"/>
+            </a:lvl1pPr>
+          </a:lstStyle>
+          <a:p>
+            <a:fld id="{71F336B0-9858-924E-842F-491D2DB7BF35}" type="datetimeFigureOut">
+              <a:rPr lang="ja-JP" altLang="en-US" smtClean="0"/>
+              <a:t>13.10.9</a:t>
+            </a:fld>
+            <a:endParaRPr lang="ja-JP" altLang="en-US"/>
+          </a:p>
+        </p:txBody>
+      </p:sp>
+      <p:sp>
+        <p:nvSpPr>
+          <p:cNvPr id="4" name="フッター プレースホルダ 3"/>
+          <p:cNvSpPr>
+            <a:spLocks noGrp="1"/>
+          </p:cNvSpPr>
+          <p:nvPr>
+            <p:ph type="ftr" sz="quarter" idx="2"/>
+          </p:nvPr>
+        </p:nvSpPr>
+        <p:spPr>
+          <a:xfrm>
+            <a:off x="0" y="8685213"/>
+            <a:ext cx="2971800" cy="457200"/>
+          </a:xfrm>
+          <a:prstGeom prst="rect">
+            <a:avLst/>
+          </a:prstGeom>
+        </p:spPr>
+        <p:txBody>
+          <a:bodyPr vert="horz" lIns="91440" tIns="45720" rIns="91440" bIns="45720" rtlCol="0" anchor="b"/>
+          <a:lstStyle>
+            <a:lvl1pPr algn="l">
+              <a:defRPr sz="1200"/>
+            </a:lvl1pPr>
+          </a:lstStyle>
+          <a:p>
+            <a:endParaRPr lang="ja-JP" altLang="en-US"/>
+          </a:p>
+        </p:txBody>
+      </p:sp>
+      <p:sp>
+        <p:nvSpPr>
+          <p:cNvPr id="5" name="スライド番号プレースホルダ 4"/>
+          <p:cNvSpPr>
+            <a:spLocks noGrp="1"/>
+          </p:cNvSpPr>
+          <p:nvPr>
+            <p:ph type="sldNum" sz="quarter" idx="3"/>
+          </p:nvPr>
+        </p:nvSpPr>
+        <p:spPr>
+          <a:xfrm>
+            <a:off x="3884613" y="8685213"/>
+            <a:ext cx="2971800" cy="457200"/>
+          </a:xfrm>
+          <a:prstGeom prst="rect">
+            <a:avLst/>
+          </a:prstGeom>
+        </p:spPr>
+        <p:txBody>
+          <a:bodyPr vert="horz" lIns="91440" tIns="45720" rIns="91440" bIns="45720" rtlCol="0" anchor="b"/>
+          <a:lstStyle>
+            <a:lvl1pPr algn="r">
+              <a:defRPr sz="1200"/>
+            </a:lvl1pPr>
+          </a:lstStyle>
+          <a:p>
+            <a:fld id="{C8B4CA21-E5E1-C249-ADB9-04396189E688}" type="slidenum">
+              <a:rPr lang="ja-JP" altLang="en-US" smtClean="0"/>
+              <a:t>‹#›</a:t>
+            </a:fld>
+            <a:endParaRPr lang="ja-JP" altLang="en-US"/>
+          </a:p>
+        </p:txBody>
+      </p:sp>
+    </p:spTree>
+  </p:cSld>
+  <p:clrMap bg1="lt1" tx1="dk1" bg2="lt2" tx2="dk2" accent1="accent1" accent2="accent2" accent3="accent3" accent4="accent4" accent5="accent5" accent6="accent6" hlink="hlink" folHlink="folHlink"/>
+</p:handoutMaster>
+</file>
+
 <file path=ppt/slideLayouts/slideLayout1.xml><?xml version="1.0" encoding="utf-8"?>
 <p:sldLayout xmlns:a="http://schemas.openxmlformats.org/drawingml/2006/main" xmlns:r="http://schemas.openxmlformats.org/officeDocument/2006/relationships" xmlns:mc="http://schemas.openxmlformats.org/markup-compatibility/2006" xmlns:mv="urn:schemas-microsoft-com:mac:vml" xmlns:p="http://schemas.openxmlformats.org/presentationml/2006/main" mc:Ignorable="mv" mc:PreserveAttributes="mv:*" showMasterSp="0" type="title" preserve="1">
   <p:cSld name="タイトル スライド">
@@ -491,7 +654,15 @@
             <p:ph type="dt" sz="half" idx="10"/>
           </p:nvPr>
         </p:nvSpPr>
-        <p:spPr/>
+        <p:spPr>
+          <a:xfrm>
+            <a:off x="457200" y="6422064"/>
+            <a:ext cx="2133600" cy="365125"/>
+          </a:xfrm>
+          <a:prstGeom prst="rect">
+            <a:avLst/>
+          </a:prstGeom>
+        </p:spPr>
         <p:txBody>
           <a:bodyPr/>
           <a:lstStyle/>
@@ -515,7 +686,15 @@
             <p:ph type="ftr" sz="quarter" idx="11"/>
           </p:nvPr>
         </p:nvSpPr>
-        <p:spPr/>
+        <p:spPr>
+          <a:xfrm>
+            <a:off x="3124200" y="6422064"/>
+            <a:ext cx="2895600" cy="365125"/>
+          </a:xfrm>
+          <a:prstGeom prst="rect">
+            <a:avLst/>
+          </a:prstGeom>
+        </p:spPr>
         <p:txBody>
           <a:bodyPr/>
           <a:lstStyle/>
@@ -534,7 +713,15 @@
             <p:ph type="sldNum" sz="quarter" idx="12"/>
           </p:nvPr>
         </p:nvSpPr>
-        <p:spPr/>
+        <p:spPr>
+          <a:xfrm>
+            <a:off x="8153400" y="6422064"/>
+            <a:ext cx="762000" cy="365125"/>
+          </a:xfrm>
+          <a:prstGeom prst="rect">
+            <a:avLst/>
+          </a:prstGeom>
+        </p:spPr>
         <p:txBody>
           <a:bodyPr/>
           <a:lstStyle/>
@@ -690,7 +877,15 @@
             <p:ph type="dt" sz="half" idx="10"/>
           </p:nvPr>
         </p:nvSpPr>
-        <p:spPr/>
+        <p:spPr>
+          <a:xfrm>
+            <a:off x="457200" y="6422064"/>
+            <a:ext cx="2133600" cy="365125"/>
+          </a:xfrm>
+          <a:prstGeom prst="rect">
+            <a:avLst/>
+          </a:prstGeom>
+        </p:spPr>
         <p:txBody>
           <a:bodyPr/>
           <a:lstStyle/>
@@ -714,7 +909,15 @@
             <p:ph type="ftr" sz="quarter" idx="11"/>
           </p:nvPr>
         </p:nvSpPr>
-        <p:spPr/>
+        <p:spPr>
+          <a:xfrm>
+            <a:off x="3124200" y="6422064"/>
+            <a:ext cx="2895600" cy="365125"/>
+          </a:xfrm>
+          <a:prstGeom prst="rect">
+            <a:avLst/>
+          </a:prstGeom>
+        </p:spPr>
         <p:txBody>
           <a:bodyPr/>
           <a:lstStyle/>
@@ -733,7 +936,15 @@
             <p:ph type="sldNum" sz="quarter" idx="12"/>
           </p:nvPr>
         </p:nvSpPr>
-        <p:spPr/>
+        <p:spPr>
+          <a:xfrm>
+            <a:off x="8153400" y="6422064"/>
+            <a:ext cx="762000" cy="365125"/>
+          </a:xfrm>
+          <a:prstGeom prst="rect">
+            <a:avLst/>
+          </a:prstGeom>
+        </p:spPr>
         <p:txBody>
           <a:bodyPr/>
           <a:lstStyle/>
@@ -899,7 +1110,15 @@
             <p:ph type="dt" sz="half" idx="10"/>
           </p:nvPr>
         </p:nvSpPr>
-        <p:spPr/>
+        <p:spPr>
+          <a:xfrm>
+            <a:off x="457200" y="6422064"/>
+            <a:ext cx="2133600" cy="365125"/>
+          </a:xfrm>
+          <a:prstGeom prst="rect">
+            <a:avLst/>
+          </a:prstGeom>
+        </p:spPr>
         <p:txBody>
           <a:bodyPr/>
           <a:lstStyle/>
@@ -923,7 +1142,15 @@
             <p:ph type="ftr" sz="quarter" idx="11"/>
           </p:nvPr>
         </p:nvSpPr>
-        <p:spPr/>
+        <p:spPr>
+          <a:xfrm>
+            <a:off x="3124200" y="6422064"/>
+            <a:ext cx="2895600" cy="365125"/>
+          </a:xfrm>
+          <a:prstGeom prst="rect">
+            <a:avLst/>
+          </a:prstGeom>
+        </p:spPr>
         <p:txBody>
           <a:bodyPr/>
           <a:lstStyle/>
@@ -942,7 +1169,15 @@
             <p:ph type="sldNum" sz="quarter" idx="12"/>
           </p:nvPr>
         </p:nvSpPr>
-        <p:spPr/>
+        <p:spPr>
+          <a:xfrm>
+            <a:off x="8153400" y="6422064"/>
+            <a:ext cx="762000" cy="365125"/>
+          </a:xfrm>
+          <a:prstGeom prst="rect">
+            <a:avLst/>
+          </a:prstGeom>
+        </p:spPr>
         <p:txBody>
           <a:bodyPr/>
           <a:lstStyle/>
@@ -1102,7 +1337,15 @@
             <p:ph type="dt" sz="half" idx="10"/>
           </p:nvPr>
         </p:nvSpPr>
-        <p:spPr/>
+        <p:spPr>
+          <a:xfrm>
+            <a:off x="457200" y="6422064"/>
+            <a:ext cx="2133600" cy="365125"/>
+          </a:xfrm>
+          <a:prstGeom prst="rect">
+            <a:avLst/>
+          </a:prstGeom>
+        </p:spPr>
         <p:txBody>
           <a:bodyPr/>
           <a:lstStyle/>
@@ -1126,7 +1369,15 @@
             <p:ph type="ftr" sz="quarter" idx="11"/>
           </p:nvPr>
         </p:nvSpPr>
-        <p:spPr/>
+        <p:spPr>
+          <a:xfrm>
+            <a:off x="3124200" y="6422064"/>
+            <a:ext cx="2895600" cy="365125"/>
+          </a:xfrm>
+          <a:prstGeom prst="rect">
+            <a:avLst/>
+          </a:prstGeom>
+        </p:spPr>
         <p:txBody>
           <a:bodyPr/>
           <a:lstStyle/>
@@ -1145,7 +1396,15 @@
             <p:ph type="sldNum" sz="quarter" idx="12"/>
           </p:nvPr>
         </p:nvSpPr>
-        <p:spPr/>
+        <p:spPr>
+          <a:xfrm>
+            <a:off x="8153400" y="6422064"/>
+            <a:ext cx="762000" cy="365125"/>
+          </a:xfrm>
+          <a:prstGeom prst="rect">
+            <a:avLst/>
+          </a:prstGeom>
+        </p:spPr>
         <p:txBody>
           <a:bodyPr/>
           <a:lstStyle/>
@@ -1559,7 +1818,15 @@
             <p:ph type="dt" sz="half" idx="10"/>
           </p:nvPr>
         </p:nvSpPr>
-        <p:spPr/>
+        <p:spPr>
+          <a:xfrm>
+            <a:off x="457200" y="6422064"/>
+            <a:ext cx="2133600" cy="365125"/>
+          </a:xfrm>
+          <a:prstGeom prst="rect">
+            <a:avLst/>
+          </a:prstGeom>
+        </p:spPr>
         <p:txBody>
           <a:bodyPr/>
           <a:lstStyle/>
@@ -1583,7 +1850,15 @@
             <p:ph type="ftr" sz="quarter" idx="11"/>
           </p:nvPr>
         </p:nvSpPr>
-        <p:spPr/>
+        <p:spPr>
+          <a:xfrm>
+            <a:off x="3124200" y="6422064"/>
+            <a:ext cx="2895600" cy="365125"/>
+          </a:xfrm>
+          <a:prstGeom prst="rect">
+            <a:avLst/>
+          </a:prstGeom>
+        </p:spPr>
         <p:txBody>
           <a:bodyPr/>
           <a:lstStyle/>
@@ -1602,7 +1877,15 @@
             <p:ph type="sldNum" sz="quarter" idx="12"/>
           </p:nvPr>
         </p:nvSpPr>
-        <p:spPr/>
+        <p:spPr>
+          <a:xfrm>
+            <a:off x="8153400" y="6422064"/>
+            <a:ext cx="762000" cy="365125"/>
+          </a:xfrm>
+          <a:prstGeom prst="rect">
+            <a:avLst/>
+          </a:prstGeom>
+        </p:spPr>
         <p:txBody>
           <a:bodyPr/>
           <a:lstStyle/>
@@ -1889,7 +2172,15 @@
             <p:ph type="dt" sz="half" idx="10"/>
           </p:nvPr>
         </p:nvSpPr>
-        <p:spPr/>
+        <p:spPr>
+          <a:xfrm>
+            <a:off x="457200" y="6422064"/>
+            <a:ext cx="2133600" cy="365125"/>
+          </a:xfrm>
+          <a:prstGeom prst="rect">
+            <a:avLst/>
+          </a:prstGeom>
+        </p:spPr>
         <p:txBody>
           <a:bodyPr/>
           <a:lstStyle/>
@@ -1913,7 +2204,15 @@
             <p:ph type="ftr" sz="quarter" idx="11"/>
           </p:nvPr>
         </p:nvSpPr>
-        <p:spPr/>
+        <p:spPr>
+          <a:xfrm>
+            <a:off x="3124200" y="6422064"/>
+            <a:ext cx="2895600" cy="365125"/>
+          </a:xfrm>
+          <a:prstGeom prst="rect">
+            <a:avLst/>
+          </a:prstGeom>
+        </p:spPr>
         <p:txBody>
           <a:bodyPr/>
           <a:lstStyle/>
@@ -1932,7 +2231,15 @@
             <p:ph type="sldNum" sz="quarter" idx="12"/>
           </p:nvPr>
         </p:nvSpPr>
-        <p:spPr/>
+        <p:spPr>
+          <a:xfrm>
+            <a:off x="8153400" y="6422064"/>
+            <a:ext cx="762000" cy="365125"/>
+          </a:xfrm>
+          <a:prstGeom prst="rect">
+            <a:avLst/>
+          </a:prstGeom>
+        </p:spPr>
         <p:txBody>
           <a:bodyPr/>
           <a:lstStyle/>
@@ -2329,7 +2636,15 @@
             <p:ph type="dt" sz="half" idx="10"/>
           </p:nvPr>
         </p:nvSpPr>
-        <p:spPr/>
+        <p:spPr>
+          <a:xfrm>
+            <a:off x="457200" y="6422064"/>
+            <a:ext cx="2133600" cy="365125"/>
+          </a:xfrm>
+          <a:prstGeom prst="rect">
+            <a:avLst/>
+          </a:prstGeom>
+        </p:spPr>
         <p:txBody>
           <a:bodyPr/>
           <a:lstStyle/>
@@ -2353,7 +2668,15 @@
             <p:ph type="ftr" sz="quarter" idx="11"/>
           </p:nvPr>
         </p:nvSpPr>
-        <p:spPr/>
+        <p:spPr>
+          <a:xfrm>
+            <a:off x="3124200" y="6422064"/>
+            <a:ext cx="2895600" cy="365125"/>
+          </a:xfrm>
+          <a:prstGeom prst="rect">
+            <a:avLst/>
+          </a:prstGeom>
+        </p:spPr>
         <p:txBody>
           <a:bodyPr/>
           <a:lstStyle/>
@@ -2372,7 +2695,15 @@
             <p:ph type="sldNum" sz="quarter" idx="12"/>
           </p:nvPr>
         </p:nvSpPr>
-        <p:spPr/>
+        <p:spPr>
+          <a:xfrm>
+            <a:off x="8153400" y="6422064"/>
+            <a:ext cx="762000" cy="365125"/>
+          </a:xfrm>
+          <a:prstGeom prst="rect">
+            <a:avLst/>
+          </a:prstGeom>
+        </p:spPr>
         <p:txBody>
           <a:bodyPr/>
           <a:lstStyle/>
@@ -2453,7 +2784,15 @@
             <p:ph type="dt" sz="half" idx="10"/>
           </p:nvPr>
         </p:nvSpPr>
-        <p:spPr/>
+        <p:spPr>
+          <a:xfrm>
+            <a:off x="457200" y="6422064"/>
+            <a:ext cx="2133600" cy="365125"/>
+          </a:xfrm>
+          <a:prstGeom prst="rect">
+            <a:avLst/>
+          </a:prstGeom>
+        </p:spPr>
         <p:txBody>
           <a:bodyPr/>
           <a:lstStyle/>
@@ -2477,7 +2816,15 @@
             <p:ph type="sldNum" sz="quarter" idx="11"/>
           </p:nvPr>
         </p:nvSpPr>
-        <p:spPr/>
+        <p:spPr>
+          <a:xfrm>
+            <a:off x="8153400" y="6422064"/>
+            <a:ext cx="762000" cy="365125"/>
+          </a:xfrm>
+          <a:prstGeom prst="rect">
+            <a:avLst/>
+          </a:prstGeom>
+        </p:spPr>
         <p:txBody>
           <a:bodyPr/>
           <a:lstStyle/>
@@ -2501,7 +2848,15 @@
             <p:ph type="ftr" sz="quarter" idx="12"/>
           </p:nvPr>
         </p:nvSpPr>
-        <p:spPr/>
+        <p:spPr>
+          <a:xfrm>
+            <a:off x="3124200" y="6422064"/>
+            <a:ext cx="2895600" cy="365125"/>
+          </a:xfrm>
+          <a:prstGeom prst="rect">
+            <a:avLst/>
+          </a:prstGeom>
+        </p:spPr>
         <p:txBody>
           <a:bodyPr/>
           <a:lstStyle/>
@@ -2545,7 +2900,15 @@
             <p:ph type="dt" sz="half" idx="10"/>
           </p:nvPr>
         </p:nvSpPr>
-        <p:spPr/>
+        <p:spPr>
+          <a:xfrm>
+            <a:off x="457200" y="6422064"/>
+            <a:ext cx="2133600" cy="365125"/>
+          </a:xfrm>
+          <a:prstGeom prst="rect">
+            <a:avLst/>
+          </a:prstGeom>
+        </p:spPr>
         <p:txBody>
           <a:bodyPr/>
           <a:lstStyle/>
@@ -2569,7 +2932,15 @@
             <p:ph type="ftr" sz="quarter" idx="11"/>
           </p:nvPr>
         </p:nvSpPr>
-        <p:spPr/>
+        <p:spPr>
+          <a:xfrm>
+            <a:off x="3124200" y="6422064"/>
+            <a:ext cx="2895600" cy="365125"/>
+          </a:xfrm>
+          <a:prstGeom prst="rect">
+            <a:avLst/>
+          </a:prstGeom>
+        </p:spPr>
         <p:txBody>
           <a:bodyPr/>
           <a:lstStyle/>
@@ -2588,7 +2959,15 @@
             <p:ph type="sldNum" sz="quarter" idx="12"/>
           </p:nvPr>
         </p:nvSpPr>
-        <p:spPr/>
+        <p:spPr>
+          <a:xfrm>
+            <a:off x="8153400" y="6422064"/>
+            <a:ext cx="762000" cy="365125"/>
+          </a:xfrm>
+          <a:prstGeom prst="rect">
+            <a:avLst/>
+          </a:prstGeom>
+        </p:spPr>
         <p:txBody>
           <a:bodyPr/>
           <a:lstStyle/>
@@ -2828,7 +3207,15 @@
             <p:ph type="dt" sz="half" idx="10"/>
           </p:nvPr>
         </p:nvSpPr>
-        <p:spPr/>
+        <p:spPr>
+          <a:xfrm>
+            <a:off x="457200" y="6422064"/>
+            <a:ext cx="2133600" cy="365125"/>
+          </a:xfrm>
+          <a:prstGeom prst="rect">
+            <a:avLst/>
+          </a:prstGeom>
+        </p:spPr>
         <p:txBody>
           <a:bodyPr/>
           <a:lstStyle/>
@@ -2852,7 +3239,15 @@
             <p:ph type="ftr" sz="quarter" idx="11"/>
           </p:nvPr>
         </p:nvSpPr>
-        <p:spPr/>
+        <p:spPr>
+          <a:xfrm>
+            <a:off x="3124200" y="6422064"/>
+            <a:ext cx="2895600" cy="365125"/>
+          </a:xfrm>
+          <a:prstGeom prst="rect">
+            <a:avLst/>
+          </a:prstGeom>
+        </p:spPr>
         <p:txBody>
           <a:bodyPr/>
           <a:lstStyle/>
@@ -2876,6 +3271,9 @@
             <a:off x="8156448" y="6422064"/>
             <a:ext cx="762000" cy="365125"/>
           </a:xfrm>
+          <a:prstGeom prst="rect">
+            <a:avLst/>
+          </a:prstGeom>
         </p:spPr>
         <p:txBody>
           <a:bodyPr/>
@@ -3089,6 +3487,9 @@
             <a:off x="457200" y="6422064"/>
             <a:ext cx="2133600" cy="365125"/>
           </a:xfrm>
+          <a:prstGeom prst="rect">
+            <a:avLst/>
+          </a:prstGeom>
         </p:spPr>
         <p:txBody>
           <a:bodyPr/>
@@ -3113,7 +3514,15 @@
             <p:ph type="ftr" sz="quarter" idx="11"/>
           </p:nvPr>
         </p:nvSpPr>
-        <p:spPr/>
+        <p:spPr>
+          <a:xfrm>
+            <a:off x="3124200" y="6422064"/>
+            <a:ext cx="2895600" cy="365125"/>
+          </a:xfrm>
+          <a:prstGeom prst="rect">
+            <a:avLst/>
+          </a:prstGeom>
+        </p:spPr>
         <p:txBody>
           <a:bodyPr/>
           <a:lstStyle/>
@@ -3132,7 +3541,15 @@
             <p:ph type="sldNum" sz="quarter" idx="12"/>
           </p:nvPr>
         </p:nvSpPr>
-        <p:spPr/>
+        <p:spPr>
+          <a:xfrm>
+            <a:off x="8153400" y="6422064"/>
+            <a:ext cx="762000" cy="365125"/>
+          </a:xfrm>
+          <a:prstGeom prst="rect">
+            <a:avLst/>
+          </a:prstGeom>
+        </p:spPr>
         <p:txBody>
           <a:bodyPr/>
           <a:lstStyle/>
@@ -3192,7 +3609,7 @@
         <p:spPr>
           <a:xfrm>
             <a:off x="457200" y="274638"/>
-            <a:ext cx="7467600" cy="1143000"/>
+            <a:ext cx="8458200" cy="847055"/>
           </a:xfrm>
           <a:prstGeom prst="rect">
             <a:avLst/>
@@ -3224,8 +3641,8 @@
         </p:nvSpPr>
         <p:spPr>
           <a:xfrm>
-            <a:off x="457200" y="1600200"/>
-            <a:ext cx="7467600" cy="4525963"/>
+            <a:off x="457199" y="1336135"/>
+            <a:ext cx="8458201" cy="5295052"/>
           </a:xfrm>
           <a:prstGeom prst="rect">
             <a:avLst/>
@@ -3303,127 +3720,6 @@
               <a:t>レベル</a:t>
             </a:r>
             <a:endParaRPr kumimoji="0" lang="en-US" dirty="0"/>
-          </a:p>
-        </p:txBody>
-      </p:sp>
-      <p:sp>
-        <p:nvSpPr>
-          <p:cNvPr id="10" name="日付プレースホルダ 9"/>
-          <p:cNvSpPr>
-            <a:spLocks noGrp="1"/>
-          </p:cNvSpPr>
-          <p:nvPr>
-            <p:ph type="dt" sz="half" idx="2"/>
-          </p:nvPr>
-        </p:nvSpPr>
-        <p:spPr>
-          <a:xfrm>
-            <a:off x="457200" y="6422064"/>
-            <a:ext cx="2133600" cy="365125"/>
-          </a:xfrm>
-          <a:prstGeom prst="rect">
-            <a:avLst/>
-          </a:prstGeom>
-        </p:spPr>
-        <p:txBody>
-          <a:bodyPr vert="horz" bIns="0" anchor="b"/>
-          <a:lstStyle>
-            <a:lvl1pPr algn="l" eaLnBrk="1" latinLnBrk="0" hangingPunct="1">
-              <a:defRPr kumimoji="0" sz="1000">
-                <a:solidFill>
-                  <a:schemeClr val="tx2">
-                    <a:shade val="50000"/>
-                  </a:schemeClr>
-                </a:solidFill>
-              </a:defRPr>
-            </a:lvl1pPr>
-          </a:lstStyle>
-          <a:p>
-            <a:fld id="{8839B124-D151-7E40-BD00-8DC927F036D0}" type="datetimeFigureOut">
-              <a:rPr lang="ja-JP" altLang="en-US" smtClean="0"/>
-              <a:pPr/>
-              <a:t>13.10.9</a:t>
-            </a:fld>
-            <a:endParaRPr lang="ja-JP" altLang="en-US"/>
-          </a:p>
-        </p:txBody>
-      </p:sp>
-      <p:sp>
-        <p:nvSpPr>
-          <p:cNvPr id="22" name="フッター プレースホルダ 21"/>
-          <p:cNvSpPr>
-            <a:spLocks noGrp="1"/>
-          </p:cNvSpPr>
-          <p:nvPr>
-            <p:ph type="ftr" sz="quarter" idx="3"/>
-          </p:nvPr>
-        </p:nvSpPr>
-        <p:spPr>
-          <a:xfrm>
-            <a:off x="3124200" y="6422064"/>
-            <a:ext cx="2895600" cy="365125"/>
-          </a:xfrm>
-          <a:prstGeom prst="rect">
-            <a:avLst/>
-          </a:prstGeom>
-        </p:spPr>
-        <p:txBody>
-          <a:bodyPr vert="horz" lIns="0" rIns="0" bIns="0" anchor="b"/>
-          <a:lstStyle>
-            <a:lvl1pPr algn="ctr" eaLnBrk="1" latinLnBrk="0" hangingPunct="1">
-              <a:defRPr kumimoji="0" sz="1000">
-                <a:solidFill>
-                  <a:schemeClr val="tx2">
-                    <a:shade val="50000"/>
-                  </a:schemeClr>
-                </a:solidFill>
-              </a:defRPr>
-            </a:lvl1pPr>
-          </a:lstStyle>
-          <a:p>
-            <a:endParaRPr lang="ja-JP" altLang="en-US"/>
-          </a:p>
-        </p:txBody>
-      </p:sp>
-      <p:sp>
-        <p:nvSpPr>
-          <p:cNvPr id="18" name="スライド番号プレースホルダ 17"/>
-          <p:cNvSpPr>
-            <a:spLocks noGrp="1"/>
-          </p:cNvSpPr>
-          <p:nvPr>
-            <p:ph type="sldNum" sz="quarter" idx="4"/>
-          </p:nvPr>
-        </p:nvSpPr>
-        <p:spPr>
-          <a:xfrm>
-            <a:off x="8153400" y="6422064"/>
-            <a:ext cx="762000" cy="365125"/>
-          </a:xfrm>
-          <a:prstGeom prst="rect">
-            <a:avLst/>
-          </a:prstGeom>
-        </p:spPr>
-        <p:txBody>
-          <a:bodyPr vert="horz" lIns="0" tIns="0" rIns="0" bIns="0" anchor="b"/>
-          <a:lstStyle>
-            <a:lvl1pPr algn="r" eaLnBrk="1" latinLnBrk="0" hangingPunct="1">
-              <a:defRPr kumimoji="0" sz="1000">
-                <a:solidFill>
-                  <a:schemeClr val="tx2">
-                    <a:shade val="50000"/>
-                  </a:schemeClr>
-                </a:solidFill>
-              </a:defRPr>
-            </a:lvl1pPr>
-          </a:lstStyle>
-          <a:p>
-            <a:fld id="{B83AD3CB-C6DA-974A-A4B0-41889128CEC3}" type="slidenum">
-              <a:rPr lang="ja-JP" altLang="en-US" smtClean="0"/>
-              <a:pPr/>
-              <a:t>‹#›</a:t>
-            </a:fld>
-            <a:endParaRPr lang="ja-JP" altLang="en-US"/>
           </a:p>
         </p:txBody>
       </p:sp>
@@ -3450,7 +3746,7 @@
           <a:spcPct val="0"/>
         </a:spcBef>
         <a:buNone/>
-        <a:defRPr kumimoji="1" sz="4600" kern="1200">
+        <a:defRPr kumimoji="1" sz="4000" kern="1200">
           <a:solidFill>
             <a:schemeClr val="bg1"/>
           </a:solidFill>
@@ -3751,7 +4047,7 @@
         </p:nvSpPr>
         <p:spPr>
           <a:xfrm>
-            <a:off x="2517151" y="3035170"/>
+            <a:off x="2517151" y="2936200"/>
             <a:ext cx="4205073" cy="1015663"/>
           </a:xfrm>
           <a:prstGeom prst="rect">
@@ -3862,25 +4158,49 @@
           <a:lstStyle/>
           <a:p>
             <a:r>
-              <a:rPr lang="en-US" altLang="ja-JP" dirty="0" smtClean="0"/>
+              <a:rPr lang="en-US" altLang="ja-JP" dirty="0" smtClean="0">
+                <a:solidFill>
+                  <a:srgbClr val="3B3B3B"/>
+                </a:solidFill>
+              </a:rPr>
               <a:t>B3 </a:t>
             </a:r>
             <a:r>
-              <a:rPr kumimoji="1" lang="ja-JP" altLang="en-US" dirty="0" smtClean="0"/>
+              <a:rPr kumimoji="1" lang="ja-JP" altLang="en-US" dirty="0" smtClean="0">
+                <a:solidFill>
+                  <a:srgbClr val="3B3B3B"/>
+                </a:solidFill>
+              </a:rPr>
               <a:t>池内弘樹</a:t>
             </a:r>
-            <a:endParaRPr kumimoji="1" lang="en-US" altLang="ja-JP" dirty="0" smtClean="0"/>
-          </a:p>
-          <a:p>
-            <a:r>
-              <a:rPr lang="en-US" altLang="ja-JP" dirty="0" smtClean="0"/>
+            <a:endParaRPr kumimoji="1" lang="en-US" altLang="ja-JP" dirty="0" smtClean="0">
+              <a:solidFill>
+                <a:srgbClr val="3B3B3B"/>
+              </a:solidFill>
+            </a:endParaRPr>
+          </a:p>
+          <a:p>
+            <a:r>
+              <a:rPr lang="en-US" altLang="ja-JP" dirty="0" smtClean="0">
+                <a:solidFill>
+                  <a:srgbClr val="3B3B3B"/>
+                </a:solidFill>
+              </a:rPr>
               <a:t>B3 </a:t>
             </a:r>
             <a:r>
-              <a:rPr lang="ja-JP" altLang="en-US" dirty="0" smtClean="0"/>
+              <a:rPr lang="ja-JP" altLang="en-US" dirty="0" smtClean="0">
+                <a:solidFill>
+                  <a:srgbClr val="3B3B3B"/>
+                </a:solidFill>
+              </a:rPr>
               <a:t>大塚知亮</a:t>
             </a:r>
-            <a:endParaRPr kumimoji="1" lang="ja-JP" altLang="en-US" dirty="0"/>
+            <a:endParaRPr kumimoji="1" lang="ja-JP" altLang="en-US" dirty="0">
+              <a:solidFill>
+                <a:srgbClr val="3B3B3B"/>
+              </a:solidFill>
+            </a:endParaRPr>
           </a:p>
         </p:txBody>
       </p:sp>
@@ -4234,7 +4554,7 @@
             <a:pPr lvl="1"/>
             <a:r>
               <a:rPr lang="en-US" altLang="ja-JP" dirty="0" err="1" smtClean="0"/>
-              <a:t>openNI</a:t>
+              <a:t>SimpleOpenNI</a:t>
             </a:r>
             <a:endParaRPr lang="en-US" altLang="ja-JP" dirty="0" smtClean="0"/>
           </a:p>
@@ -4316,7 +4636,7 @@
         <p:spPr>
           <a:xfrm>
             <a:off x="443545" y="274638"/>
-            <a:ext cx="7467600" cy="1143000"/>
+            <a:ext cx="7467600" cy="896542"/>
           </a:xfrm>
         </p:spPr>
         <p:txBody>
@@ -4343,13 +4663,13 @@
         </p:nvSpPr>
         <p:spPr>
           <a:xfrm>
-            <a:off x="457200" y="1600201"/>
-            <a:ext cx="7467600" cy="4776476"/>
+            <a:off x="457200" y="1171180"/>
+            <a:ext cx="7467600" cy="5205497"/>
           </a:xfrm>
         </p:spPr>
         <p:txBody>
           <a:bodyPr>
-            <a:normAutofit lnSpcReduction="10000"/>
+            <a:normAutofit/>
           </a:bodyPr>
           <a:lstStyle/>
           <a:p>
@@ -4399,6 +4719,13 @@
             <a:endParaRPr lang="en-US" altLang="ja-JP" dirty="0" smtClean="0"/>
           </a:p>
           <a:p>
+            <a:pPr>
+              <a:buNone/>
+            </a:pPr>
+            <a:r>
+              <a:rPr lang="en-US" altLang="ja-JP" sz="2595" dirty="0" smtClean="0"/>
+              <a:t>	</a:t>
+            </a:r>
             <a:r>
               <a:rPr lang="en-US" altLang="ja-JP" sz="2595" dirty="0" err="1" smtClean="0"/>
               <a:t>Kinect</a:t>
@@ -4537,7 +4864,9 @@
         </p:nvSpPr>
         <p:spPr/>
         <p:txBody>
-          <a:bodyPr/>
+          <a:bodyPr>
+            <a:normAutofit fontScale="92500" lnSpcReduction="20000"/>
+          </a:bodyPr>
           <a:lstStyle/>
           <a:p>
             <a:pPr>
@@ -4561,7 +4890,7 @@
             </a:r>
             <a:r>
               <a:rPr lang="ja-JP" altLang="en-US" dirty="0" smtClean="0"/>
-              <a:t>を用いたコンテンツの作成をすることになった。そこでコンセプトをバカっぽいことと身体の拡張、現実世界へのフィードバックと決定した。</a:t>
+              <a:t>を用いたコンテンツの作成をすることになった。</a:t>
             </a:r>
             <a:endParaRPr lang="en-US" altLang="ja-JP" dirty="0" smtClean="0"/>
           </a:p>
@@ -4573,7 +4902,63 @@
               <a:rPr lang="en-US" altLang="ja-JP" dirty="0" smtClean="0"/>
               <a:t>	</a:t>
             </a:r>
-            <a:endParaRPr lang="ja-JP" altLang="en-US" dirty="0"/>
+            <a:r>
+              <a:rPr lang="en-US" altLang="ja-JP" dirty="0" err="1" smtClean="0"/>
+              <a:t>Kinect</a:t>
+            </a:r>
+            <a:r>
+              <a:rPr lang="ja-JP" altLang="en-US" dirty="0" smtClean="0"/>
+              <a:t>の利用されているシチュエーションとして、画面上の何かを実世界の人間の動作により動かすというのが多い。つまり現実世界の動きから仮想世界へのアウトプットを行い、モニターから得られる視覚としてフィードバック得るというものである。</a:t>
+            </a:r>
+            <a:endParaRPr lang="en-US" altLang="ja-JP" dirty="0" smtClean="0"/>
+          </a:p>
+          <a:p>
+            <a:pPr>
+              <a:buNone/>
+            </a:pPr>
+            <a:r>
+              <a:rPr lang="en-US" altLang="ja-JP" dirty="0" smtClean="0"/>
+              <a:t>	</a:t>
+            </a:r>
+            <a:r>
+              <a:rPr lang="ja-JP" altLang="en-US" dirty="0" smtClean="0"/>
+              <a:t>また</a:t>
+            </a:r>
+            <a:r>
+              <a:rPr lang="en-US" altLang="ja-JP" dirty="0" smtClean="0"/>
+              <a:t>AR</a:t>
+            </a:r>
+            <a:r>
+              <a:rPr lang="ja-JP" altLang="en-US" dirty="0" smtClean="0"/>
+              <a:t>の普及が始まり、拡張現実として視覚の拡張が広まりつつある。しかし拡張の可能性は視覚にとどまるものではない。</a:t>
+            </a:r>
+            <a:endParaRPr lang="en-US" altLang="ja-JP" dirty="0" smtClean="0"/>
+          </a:p>
+          <a:p>
+            <a:pPr>
+              <a:buNone/>
+            </a:pPr>
+            <a:r>
+              <a:rPr lang="en-US" altLang="ja-JP" dirty="0" smtClean="0"/>
+              <a:t>	</a:t>
+            </a:r>
+            <a:r>
+              <a:rPr lang="ja-JP" altLang="en-US" dirty="0" smtClean="0"/>
+              <a:t>そこで私たちはコンセプトをバカげたこと、現実世界へのフィードバック、</a:t>
+            </a:r>
+            <a:r>
+              <a:rPr lang="ja-JP" altLang="en-US" dirty="0" smtClean="0"/>
+              <a:t>身体</a:t>
+            </a:r>
+            <a:r>
+              <a:rPr lang="ja-JP" altLang="en-US" dirty="0" smtClean="0"/>
+              <a:t>の拡張</a:t>
+            </a:r>
+            <a:r>
+              <a:rPr lang="ja-JP" altLang="en-US" dirty="0" smtClean="0"/>
+              <a:t>とした。</a:t>
+            </a:r>
+            <a:endParaRPr lang="en-US" altLang="ja-JP" dirty="0" smtClean="0"/>
           </a:p>
         </p:txBody>
       </p:sp>
@@ -4705,7 +5090,19 @@
             </a:r>
             <a:r>
               <a:rPr lang="ja-JP" altLang="en-US" dirty="0" smtClean="0"/>
-              <a:t>の前方カメラの影像を</a:t>
+              <a:t>の前方カメラ</a:t>
+            </a:r>
+            <a:r>
+              <a:rPr lang="ja-JP" altLang="en-US" dirty="0" smtClean="0"/>
+              <a:t>の</a:t>
+            </a:r>
+            <a:r>
+              <a:rPr lang="ja-JP" altLang="en-US" dirty="0" smtClean="0"/>
+              <a:t>映像</a:t>
+            </a:r>
+            <a:r>
+              <a:rPr lang="ja-JP" altLang="en-US" dirty="0" smtClean="0"/>
+              <a:t>を</a:t>
             </a:r>
             <a:r>
               <a:rPr lang="en-US" altLang="ja-JP" dirty="0" smtClean="0"/>
@@ -4761,7 +5158,7 @@
           <a:p>
             <a:r>
               <a:rPr lang="ja-JP" altLang="en-US" dirty="0" smtClean="0"/>
-              <a:t>実装方法</a:t>
+              <a:t>実装</a:t>
             </a:r>
             <a:r>
               <a:rPr lang="en-US" altLang="ja-JP" dirty="0" smtClean="0"/>
@@ -4783,9 +5180,134 @@
         </p:nvSpPr>
         <p:spPr/>
         <p:txBody>
-          <a:bodyPr/>
+          <a:bodyPr>
+            <a:normAutofit fontScale="92500"/>
+          </a:bodyPr>
           <a:lstStyle/>
           <a:p>
+            <a:r>
+              <a:rPr lang="ja-JP" altLang="en-US" dirty="0" smtClean="0"/>
+              <a:t>操作性</a:t>
+            </a:r>
+            <a:endParaRPr lang="en-US" altLang="ja-JP" dirty="0" smtClean="0"/>
+          </a:p>
+          <a:p>
+            <a:pPr lvl="1"/>
+            <a:r>
+              <a:rPr lang="ja-JP" altLang="en-US" dirty="0" smtClean="0"/>
+              <a:t>感覚的に操作ができるよう前後左右の移動のみ実装</a:t>
+            </a:r>
+            <a:endParaRPr lang="en-US" altLang="ja-JP" dirty="0" smtClean="0"/>
+          </a:p>
+          <a:p>
+            <a:pPr lvl="2"/>
+            <a:r>
+              <a:rPr lang="ja-JP" altLang="en-US" dirty="0" smtClean="0"/>
+              <a:t>体の傾き、手の上げ下げを割り当て、体の動きを大きくするほど</a:t>
+            </a:r>
+            <a:r>
+              <a:rPr lang="en-US" altLang="ja-JP" dirty="0" err="1" smtClean="0"/>
+              <a:t>AR.Drone</a:t>
+            </a:r>
+            <a:r>
+              <a:rPr lang="ja-JP" altLang="en-US" dirty="0" smtClean="0"/>
+              <a:t>の動作が大きくなるよう設定</a:t>
+            </a:r>
+            <a:endParaRPr lang="en-US" altLang="ja-JP" dirty="0" smtClean="0"/>
+          </a:p>
+          <a:p>
+            <a:pPr lvl="2"/>
+            <a:endParaRPr lang="en-US" altLang="ja-JP" dirty="0" smtClean="0"/>
+          </a:p>
+          <a:p>
+            <a:r>
+              <a:rPr lang="ja-JP" altLang="en-US" dirty="0" smtClean="0"/>
+              <a:t>フィードバック</a:t>
+            </a:r>
+            <a:endParaRPr lang="en-US" altLang="ja-JP" dirty="0" smtClean="0"/>
+          </a:p>
+          <a:p>
+            <a:pPr lvl="1"/>
+            <a:r>
+              <a:rPr lang="en-US" altLang="ja-JP" dirty="0" err="1" smtClean="0"/>
+              <a:t>Kinect</a:t>
+            </a:r>
+            <a:endParaRPr lang="en-US" altLang="ja-JP" dirty="0" smtClean="0"/>
+          </a:p>
+          <a:p>
+            <a:pPr lvl="2"/>
+            <a:r>
+              <a:rPr lang="ja-JP" altLang="en-US" dirty="0" smtClean="0"/>
+              <a:t>実行が上手くいっているか、</a:t>
+            </a:r>
+            <a:r>
+              <a:rPr lang="en-US" altLang="ja-JP" dirty="0" err="1" smtClean="0"/>
+              <a:t>Kinect</a:t>
+            </a:r>
+            <a:r>
+              <a:rPr lang="ja-JP" altLang="en-US" dirty="0" smtClean="0"/>
+              <a:t>のカメラ映像</a:t>
+            </a:r>
+            <a:r>
+              <a:rPr lang="en-US" altLang="ja-JP" dirty="0" smtClean="0"/>
+              <a:t>(</a:t>
+            </a:r>
+            <a:r>
+              <a:rPr lang="ja-JP" altLang="en-US" dirty="0" smtClean="0"/>
+              <a:t>モノクロ</a:t>
+            </a:r>
+            <a:r>
+              <a:rPr lang="en-US" altLang="ja-JP" dirty="0" smtClean="0"/>
+              <a:t>)</a:t>
+            </a:r>
+            <a:r>
+              <a:rPr lang="ja-JP" altLang="en-US" dirty="0" smtClean="0"/>
+              <a:t>上に取得できていれば体のスケルトンが表示</a:t>
+            </a:r>
+            <a:endParaRPr lang="en-US" altLang="ja-JP" dirty="0" smtClean="0"/>
+          </a:p>
+          <a:p>
+            <a:pPr lvl="1"/>
+            <a:r>
+              <a:rPr lang="en-US" altLang="ja-JP" dirty="0" err="1" smtClean="0"/>
+              <a:t>AR.Drone</a:t>
+            </a:r>
+            <a:endParaRPr lang="en-US" altLang="ja-JP" dirty="0" smtClean="0"/>
+          </a:p>
+          <a:p>
+            <a:pPr lvl="2"/>
+            <a:r>
+              <a:rPr lang="en-US" altLang="ja-JP" dirty="0" err="1" smtClean="0"/>
+              <a:t>AR.Drone</a:t>
+            </a:r>
+            <a:r>
+              <a:rPr lang="ja-JP" altLang="en-US" dirty="0" smtClean="0"/>
+              <a:t>からのリアルタイム映像の上に</a:t>
+            </a:r>
+            <a:r>
+              <a:rPr lang="ja-JP" altLang="en-US" dirty="0" smtClean="0"/>
+              <a:t>送っている動作命令、</a:t>
+            </a:r>
+            <a:r>
+              <a:rPr lang="en-US" altLang="ja-JP" dirty="0" err="1" smtClean="0"/>
+              <a:t>AR.Drone</a:t>
+            </a:r>
+            <a:r>
+              <a:rPr lang="ja-JP" altLang="en-US" dirty="0" smtClean="0"/>
+              <a:t>のセンサやバッテリーの</a:t>
+            </a:r>
+            <a:r>
+              <a:rPr lang="ja-JP" altLang="en-US" dirty="0" smtClean="0"/>
+              <a:t>値</a:t>
+            </a:r>
+            <a:r>
+              <a:rPr lang="ja-JP" altLang="en-US" dirty="0" smtClean="0"/>
+              <a:t>は</a:t>
+            </a:r>
+            <a:r>
+              <a:rPr lang="ja-JP" altLang="en-US" dirty="0" smtClean="0"/>
+              <a:t>表示</a:t>
+            </a:r>
             <a:endParaRPr lang="en-US" altLang="ja-JP" dirty="0" smtClean="0"/>
           </a:p>
           <a:p>
@@ -4857,6 +5379,35 @@
         <p:txBody>
           <a:bodyPr/>
           <a:lstStyle/>
+          <a:p>
+            <a:r>
+              <a:rPr lang="ja-JP" altLang="en-US" dirty="0" smtClean="0"/>
+              <a:t>結果</a:t>
+            </a:r>
+            <a:endParaRPr lang="en-US" altLang="ja-JP" dirty="0" smtClean="0"/>
+          </a:p>
+          <a:p>
+            <a:pPr lvl="1"/>
+            <a:r>
+              <a:rPr lang="en-US" altLang="ja-JP" dirty="0" err="1" smtClean="0"/>
+              <a:t>AR.Drone</a:t>
+            </a:r>
+            <a:r>
+              <a:rPr lang="ja-JP" altLang="en-US" dirty="0" smtClean="0"/>
+              <a:t>のカメラ映像は画角が狭く</a:t>
+            </a:r>
+            <a:r>
+              <a:rPr lang="ja-JP" altLang="en-US" smtClean="0"/>
+              <a:t>、解像度が低いため操作が困難</a:t>
+            </a:r>
+            <a:endParaRPr lang="en-US" altLang="ja-JP" smtClean="0"/>
+          </a:p>
+          <a:p>
+            <a:pPr>
+              <a:buNone/>
+            </a:pPr>
+            <a:endParaRPr lang="en-US" altLang="ja-JP" dirty="0" smtClean="0"/>
+          </a:p>
           <a:p>
             <a:r>
               <a:rPr lang="ja-JP" altLang="en-US" dirty="0" smtClean="0"/>
@@ -5243,4 +5794,322 @@
   </a:objectDefaults>
   <a:extraClrSchemeLst/>
 </a:theme>
+</file>
+
+<file path=ppt/theme/theme2.xml><?xml version="1.0" encoding="utf-8"?>
+<a:theme xmlns:a="http://schemas.openxmlformats.org/drawingml/2006/main" name="Office テーマ">
+  <a:themeElements>
+    <a:clrScheme name="Office">
+      <a:dk1>
+        <a:sysClr val="windowText" lastClr="000000"/>
+      </a:dk1>
+      <a:lt1>
+        <a:sysClr val="window" lastClr="FFFFFF"/>
+      </a:lt1>
+      <a:dk2>
+        <a:srgbClr val="1F497D"/>
+      </a:dk2>
+      <a:lt2>
+        <a:srgbClr val="EEECE1"/>
+      </a:lt2>
+      <a:accent1>
+        <a:srgbClr val="4F81BD"/>
+      </a:accent1>
+      <a:accent2>
+        <a:srgbClr val="C0504D"/>
+      </a:accent2>
+      <a:accent3>
+        <a:srgbClr val="9BBB59"/>
+      </a:accent3>
+      <a:accent4>
+        <a:srgbClr val="8064A2"/>
+      </a:accent4>
+      <a:accent5>
+        <a:srgbClr val="4BACC6"/>
+      </a:accent5>
+      <a:accent6>
+        <a:srgbClr val="F79646"/>
+      </a:accent6>
+      <a:hlink>
+        <a:srgbClr val="0000FF"/>
+      </a:hlink>
+      <a:folHlink>
+        <a:srgbClr val="800080"/>
+      </a:folHlink>
+    </a:clrScheme>
+    <a:fontScheme name="Office">
+      <a:majorFont>
+        <a:latin typeface="Calibri"/>
+        <a:ea typeface=""/>
+        <a:cs typeface=""/>
+        <a:font script="Jpan" typeface="ＭＳ Ｐゴシック"/>
+        <a:font script="Hang" typeface="맑은 고딕"/>
+        <a:font script="Hans" typeface="宋体"/>
+        <a:font script="Hant" typeface="新細明體"/>
+        <a:font script="Arab" typeface="Times New Roman"/>
+        <a:font script="Hebr" typeface="Times New Roman"/>
+        <a:font script="Thai" typeface="Angsana New"/>
+        <a:font script="Ethi" typeface="Nyala"/>
+        <a:font script="Beng" typeface="Vrinda"/>
+        <a:font script="Gujr" typeface="Shruti"/>
+        <a:font script="Khmr" typeface="MoolBoran"/>
+        <a:font script="Knda" typeface="Tunga"/>
+        <a:font script="Guru" typeface="Raavi"/>
+        <a:font script="Cans" typeface="Euphemia"/>
+        <a:font script="Cher" typeface="Plantagenet Cherokee"/>
+        <a:font script="Yiii" typeface="Microsoft Yi Baiti"/>
+        <a:font script="Tibt" typeface="Microsoft Himalaya"/>
+        <a:font script="Thaa" typeface="MV Boli"/>
+        <a:font script="Deva" typeface="Mangal"/>
+        <a:font script="Telu" typeface="Gautami"/>
+        <a:font script="Taml" typeface="Latha"/>
+        <a:font script="Syrc" typeface="Estrangelo Edessa"/>
+        <a:font script="Orya" typeface="Kalinga"/>
+        <a:font script="Mlym" typeface="Kartika"/>
+        <a:font script="Laoo" typeface="DokChampa"/>
+        <a:font script="Sinh" typeface="Iskoola Pota"/>
+        <a:font script="Mong" typeface="Mongolian Baiti"/>
+        <a:font script="Viet" typeface="Times New Roman"/>
+        <a:font script="Uigh" typeface="Microsoft Uighur"/>
+      </a:majorFont>
+      <a:minorFont>
+        <a:latin typeface="Calibri"/>
+        <a:ea typeface=""/>
+        <a:cs typeface=""/>
+        <a:font script="Jpan" typeface="ＭＳ Ｐゴシック"/>
+        <a:font script="Hang" typeface="맑은 고딕"/>
+        <a:font script="Hans" typeface="宋体"/>
+        <a:font script="Hant" typeface="新細明體"/>
+        <a:font script="Arab" typeface="Arial"/>
+        <a:font script="Hebr" typeface="Arial"/>
+        <a:font script="Thai" typeface="Cordia New"/>
+        <a:font script="Ethi" typeface="Nyala"/>
+        <a:font script="Beng" typeface="Vrinda"/>
+        <a:font script="Gujr" typeface="Shruti"/>
+        <a:font script="Khmr" typeface="DaunPenh"/>
+        <a:font script="Knda" typeface="Tunga"/>
+        <a:font script="Guru" typeface="Raavi"/>
+        <a:font script="Cans" typeface="Euphemia"/>
+        <a:font script="Cher" typeface="Plantagenet Cherokee"/>
+        <a:font script="Yiii" typeface="Microsoft Yi Baiti"/>
+        <a:font script="Tibt" typeface="Microsoft Himalaya"/>
+        <a:font script="Thaa" typeface="MV Boli"/>
+        <a:font script="Deva" typeface="Mangal"/>
+        <a:font script="Telu" typeface="Gautami"/>
+        <a:font script="Taml" typeface="Latha"/>
+        <a:font script="Syrc" typeface="Estrangelo Edessa"/>
+        <a:font script="Orya" typeface="Kalinga"/>
+        <a:font script="Mlym" typeface="Kartika"/>
+        <a:font script="Laoo" typeface="DokChampa"/>
+        <a:font script="Sinh" typeface="Iskoola Pota"/>
+        <a:font script="Mong" typeface="Mongolian Baiti"/>
+        <a:font script="Viet" typeface="Arial"/>
+        <a:font script="Uigh" typeface="Microsoft Uighur"/>
+      </a:minorFont>
+    </a:fontScheme>
+    <a:fmtScheme name="Office">
+      <a:fillStyleLst>
+        <a:solidFill>
+          <a:schemeClr val="phClr"/>
+        </a:solidFill>
+        <a:gradFill rotWithShape="1">
+          <a:gsLst>
+            <a:gs pos="0">
+              <a:schemeClr val="phClr">
+                <a:tint val="50000"/>
+                <a:satMod val="300000"/>
+              </a:schemeClr>
+            </a:gs>
+            <a:gs pos="35000">
+              <a:schemeClr val="phClr">
+                <a:tint val="37000"/>
+                <a:satMod val="300000"/>
+              </a:schemeClr>
+            </a:gs>
+            <a:gs pos="100000">
+              <a:schemeClr val="phClr">
+                <a:tint val="15000"/>
+                <a:satMod val="350000"/>
+              </a:schemeClr>
+            </a:gs>
+          </a:gsLst>
+          <a:lin ang="16200000" scaled="1"/>
+        </a:gradFill>
+        <a:gradFill rotWithShape="1">
+          <a:gsLst>
+            <a:gs pos="0">
+              <a:schemeClr val="phClr">
+                <a:tint val="100000"/>
+                <a:shade val="100000"/>
+                <a:satMod val="130000"/>
+              </a:schemeClr>
+            </a:gs>
+            <a:gs pos="100000">
+              <a:schemeClr val="phClr">
+                <a:tint val="50000"/>
+                <a:shade val="100000"/>
+                <a:satMod val="350000"/>
+              </a:schemeClr>
+            </a:gs>
+          </a:gsLst>
+          <a:lin ang="16200000" scaled="0"/>
+        </a:gradFill>
+      </a:fillStyleLst>
+      <a:lnStyleLst>
+        <a:ln w="9525" cap="flat" cmpd="sng" algn="ctr">
+          <a:solidFill>
+            <a:schemeClr val="phClr">
+              <a:shade val="95000"/>
+              <a:satMod val="105000"/>
+            </a:schemeClr>
+          </a:solidFill>
+          <a:prstDash val="solid"/>
+        </a:ln>
+        <a:ln w="25400" cap="flat" cmpd="sng" algn="ctr">
+          <a:solidFill>
+            <a:schemeClr val="phClr"/>
+          </a:solidFill>
+          <a:prstDash val="solid"/>
+        </a:ln>
+        <a:ln w="38100" cap="flat" cmpd="sng" algn="ctr">
+          <a:solidFill>
+            <a:schemeClr val="phClr"/>
+          </a:solidFill>
+          <a:prstDash val="solid"/>
+        </a:ln>
+      </a:lnStyleLst>
+      <a:effectStyleLst>
+        <a:effectStyle>
+          <a:effectLst>
+            <a:outerShdw blurRad="40000" dist="20000" dir="5400000" rotWithShape="0">
+              <a:srgbClr val="000000">
+                <a:alpha val="38000"/>
+              </a:srgbClr>
+            </a:outerShdw>
+          </a:effectLst>
+        </a:effectStyle>
+        <a:effectStyle>
+          <a:effectLst>
+            <a:outerShdw blurRad="40000" dist="23000" dir="5400000" rotWithShape="0">
+              <a:srgbClr val="000000">
+                <a:alpha val="35000"/>
+              </a:srgbClr>
+            </a:outerShdw>
+          </a:effectLst>
+        </a:effectStyle>
+        <a:effectStyle>
+          <a:effectLst>
+            <a:outerShdw blurRad="40000" dist="23000" dir="5400000" rotWithShape="0">
+              <a:srgbClr val="000000">
+                <a:alpha val="35000"/>
+              </a:srgbClr>
+            </a:outerShdw>
+          </a:effectLst>
+          <a:scene3d>
+            <a:camera prst="orthographicFront">
+              <a:rot lat="0" lon="0" rev="0"/>
+            </a:camera>
+            <a:lightRig rig="threePt" dir="t">
+              <a:rot lat="0" lon="0" rev="1200000"/>
+            </a:lightRig>
+          </a:scene3d>
+          <a:sp3d>
+            <a:bevelT w="63500" h="25400"/>
+          </a:sp3d>
+        </a:effectStyle>
+      </a:effectStyleLst>
+      <a:bgFillStyleLst>
+        <a:solidFill>
+          <a:schemeClr val="phClr"/>
+        </a:solidFill>
+        <a:gradFill rotWithShape="1">
+          <a:gsLst>
+            <a:gs pos="0">
+              <a:schemeClr val="phClr">
+                <a:tint val="40000"/>
+                <a:satMod val="350000"/>
+              </a:schemeClr>
+            </a:gs>
+            <a:gs pos="40000">
+              <a:schemeClr val="phClr">
+                <a:tint val="45000"/>
+                <a:shade val="99000"/>
+                <a:satMod val="350000"/>
+              </a:schemeClr>
+            </a:gs>
+            <a:gs pos="100000">
+              <a:schemeClr val="phClr">
+                <a:shade val="20000"/>
+                <a:satMod val="255000"/>
+              </a:schemeClr>
+            </a:gs>
+          </a:gsLst>
+          <a:path path="circle">
+            <a:fillToRect l="50000" t="-80000" r="50000" b="180000"/>
+          </a:path>
+        </a:gradFill>
+        <a:gradFill rotWithShape="1">
+          <a:gsLst>
+            <a:gs pos="0">
+              <a:schemeClr val="phClr">
+                <a:tint val="80000"/>
+                <a:satMod val="300000"/>
+              </a:schemeClr>
+            </a:gs>
+            <a:gs pos="100000">
+              <a:schemeClr val="phClr">
+                <a:shade val="30000"/>
+                <a:satMod val="200000"/>
+              </a:schemeClr>
+            </a:gs>
+          </a:gsLst>
+          <a:path path="circle">
+            <a:fillToRect l="50000" t="50000" r="50000" b="50000"/>
+          </a:path>
+        </a:gradFill>
+      </a:bgFillStyleLst>
+    </a:fmtScheme>
+  </a:themeElements>
+  <a:objectDefaults>
+    <a:spDef>
+      <a:spPr/>
+      <a:bodyPr/>
+      <a:lstStyle/>
+      <a:style>
+        <a:lnRef idx="1">
+          <a:schemeClr val="accent1"/>
+        </a:lnRef>
+        <a:fillRef idx="3">
+          <a:schemeClr val="accent1"/>
+        </a:fillRef>
+        <a:effectRef idx="2">
+          <a:schemeClr val="accent1"/>
+        </a:effectRef>
+        <a:fontRef idx="minor">
+          <a:schemeClr val="lt1"/>
+        </a:fontRef>
+      </a:style>
+    </a:spDef>
+    <a:lnDef>
+      <a:spPr/>
+      <a:bodyPr/>
+      <a:lstStyle/>
+      <a:style>
+        <a:lnRef idx="2">
+          <a:schemeClr val="accent1"/>
+        </a:lnRef>
+        <a:fillRef idx="0">
+          <a:schemeClr val="accent1"/>
+        </a:fillRef>
+        <a:effectRef idx="1">
+          <a:schemeClr val="accent1"/>
+        </a:effectRef>
+        <a:fontRef idx="minor">
+          <a:schemeClr val="tx1"/>
+        </a:fontRef>
+      </a:style>
+    </a:lnDef>
+  </a:objectDefaults>
+  <a:extraClrSchemeLst/>
+</a:theme>
 </file>